--- a/WDAS JACK Agents/docs/v-rep_presentation.pptx
+++ b/WDAS JACK Agents/docs/v-rep_presentation.pptx
@@ -10,7 +10,7 @@
   <p:sldIdLst>
     <p:sldId id="256" r:id="rId2"/>
     <p:sldId id="257" r:id="rId3"/>
-    <p:sldId id="258" r:id="rId4"/>
+    <p:sldId id="261" r:id="rId4"/>
     <p:sldId id="259" r:id="rId5"/>
     <p:sldId id="260" r:id="rId6"/>
   </p:sldIdLst>
@@ -3218,8 +3218,33 @@
             </a:pPr>
             <a:r>
               <a:rPr dirty="0"/>
-              <a:t>There are 4 rails: A, B, C, D</a:t>
-            </a:r>
+              <a:t>There are </a:t>
+            </a:r>
+            <a:r>
+              <a:rPr lang="it-IT" dirty="0" smtClean="0"/>
+              <a:t>6</a:t>
+            </a:r>
+            <a:r>
+              <a:rPr dirty="0" smtClean="0"/>
+              <a:t> </a:t>
+            </a:r>
+            <a:r>
+              <a:rPr dirty="0"/>
+              <a:t>rails: A, B, C, </a:t>
+            </a:r>
+            <a:r>
+              <a:rPr dirty="0" smtClean="0"/>
+              <a:t>D</a:t>
+            </a:r>
+            <a:r>
+              <a:rPr lang="it-IT" dirty="0" smtClean="0"/>
+              <a:t>, E, </a:t>
+            </a:r>
+            <a:r>
+              <a:rPr lang="it-IT" dirty="0" err="1" smtClean="0"/>
+              <a:t>F</a:t>
+            </a:r>
+            <a:endParaRPr dirty="0"/>
           </a:p>
           <a:p>
             <a:pPr>
@@ -3230,7 +3255,27 @@
             </a:pPr>
             <a:r>
               <a:rPr dirty="0"/>
-              <a:t>On each rail, there are 2 robots (white blocks)</a:t>
+              <a:t>On each rail, there are 2 robots </a:t>
+            </a:r>
+            <a:r>
+              <a:rPr dirty="0" smtClean="0"/>
+              <a:t>(</a:t>
+            </a:r>
+            <a:r>
+              <a:rPr lang="it-IT" dirty="0" err="1" smtClean="0"/>
+              <a:t>grey</a:t>
+            </a:r>
+            <a:r>
+              <a:rPr lang="it-IT" dirty="0" smtClean="0"/>
+              <a:t> </a:t>
+            </a:r>
+            <a:r>
+              <a:rPr dirty="0" smtClean="0"/>
+              <a:t>blocks</a:t>
+            </a:r>
+            <a:r>
+              <a:rPr dirty="0"/>
+              <a:t>)</a:t>
             </a:r>
           </a:p>
           <a:p>
@@ -3435,7 +3480,7 @@
         </p:nvSpPr>
         <p:spPr>
           <a:xfrm flipV="1">
-            <a:off x="3187699" y="2927170"/>
+            <a:off x="2923005" y="2673350"/>
             <a:ext cx="2762431" cy="2762430"/>
           </a:xfrm>
           <a:prstGeom prst="line">
@@ -3465,7 +3510,7 @@
         </p:nvSpPr>
         <p:spPr>
           <a:xfrm flipH="1">
-            <a:off x="4194719" y="3949698"/>
+            <a:off x="5056350" y="4550833"/>
             <a:ext cx="2853782" cy="2853784"/>
           </a:xfrm>
           <a:prstGeom prst="line">
@@ -3496,7 +3541,7 @@
         <p:spPr>
           <a:xfrm>
             <a:off x="3971836" y="2658611"/>
-            <a:ext cx="3317509" cy="3317509"/>
+            <a:ext cx="3809878" cy="3803324"/>
           </a:xfrm>
           <a:prstGeom prst="line">
             <a:avLst/>
@@ -3525,8 +3570,8 @@
         </p:nvSpPr>
         <p:spPr>
           <a:xfrm flipH="1" flipV="1">
-            <a:off x="2923005" y="3767098"/>
-            <a:ext cx="3201025" cy="3201024"/>
+            <a:off x="2923004" y="3767098"/>
+            <a:ext cx="3514029" cy="3510002"/>
           </a:xfrm>
           <a:prstGeom prst="line">
             <a:avLst/>
@@ -3555,7 +3600,7 @@
         </p:nvSpPr>
         <p:spPr>
           <a:xfrm>
-            <a:off x="2278125" y="5638799"/>
+            <a:off x="1889250" y="5435780"/>
             <a:ext cx="777749" cy="406401"/>
           </a:xfrm>
           <a:prstGeom prst="rect">
@@ -3581,6 +3626,7 @@
           </a:lstStyle>
           <a:p>
             <a:r>
+              <a:rPr dirty="0"/>
               <a:t>Rail A</a:t>
             </a:r>
           </a:p>
@@ -3594,7 +3640,7 @@
         </p:nvSpPr>
         <p:spPr>
           <a:xfrm>
-            <a:off x="7180326" y="3632199"/>
+            <a:off x="8095624" y="4033318"/>
             <a:ext cx="777749" cy="406401"/>
           </a:xfrm>
           <a:prstGeom prst="rect">
@@ -3620,6 +3666,7 @@
           </a:lstStyle>
           <a:p>
             <a:r>
+              <a:rPr dirty="0"/>
               <a:t>Rail B</a:t>
             </a:r>
           </a:p>
@@ -3672,7 +3719,7 @@
         </p:nvSpPr>
         <p:spPr>
           <a:xfrm>
-            <a:off x="5890640" y="7073900"/>
+            <a:off x="6220130" y="7499350"/>
             <a:ext cx="791719" cy="406401"/>
           </a:xfrm>
           <a:prstGeom prst="rect">
@@ -3698,6 +3745,7 @@
           </a:lstStyle>
           <a:p>
             <a:r>
+              <a:rPr dirty="0"/>
               <a:t>Rail C</a:t>
             </a:r>
           </a:p>
@@ -3711,7 +3759,7 @@
         </p:nvSpPr>
         <p:spPr>
           <a:xfrm>
-            <a:off x="7025068" y="4019550"/>
+            <a:off x="8095624" y="4550833"/>
             <a:ext cx="885064" cy="317500"/>
           </a:xfrm>
           <a:prstGeom prst="rect">
@@ -3737,6 +3785,7 @@
           </a:lstStyle>
           <a:p>
             <a:r>
+              <a:rPr dirty="0"/>
               <a:t>Position 0</a:t>
             </a:r>
           </a:p>
@@ -3750,7 +3799,7 @@
         </p:nvSpPr>
         <p:spPr>
           <a:xfrm>
-            <a:off x="3851440" y="6864350"/>
+            <a:off x="3971836" y="7223193"/>
             <a:ext cx="983920" cy="317500"/>
           </a:xfrm>
           <a:prstGeom prst="rect">
@@ -3776,6 +3825,7 @@
           </a:lstStyle>
           <a:p>
             <a:r>
+              <a:rPr dirty="0"/>
               <a:t>Position 15</a:t>
             </a:r>
           </a:p>
@@ -3828,7 +3878,7 @@
         </p:nvSpPr>
         <p:spPr>
           <a:xfrm>
-            <a:off x="6148768" y="6737350"/>
+            <a:off x="6615990" y="7181850"/>
             <a:ext cx="885064" cy="317500"/>
           </a:xfrm>
           <a:prstGeom prst="rect">
@@ -3854,6 +3904,7 @@
           </a:lstStyle>
           <a:p>
             <a:r>
+              <a:rPr dirty="0"/>
               <a:t>Position 0</a:t>
             </a:r>
           </a:p>
@@ -3867,7 +3918,7 @@
         </p:nvSpPr>
         <p:spPr>
           <a:xfrm>
-            <a:off x="2364168" y="5391150"/>
+            <a:off x="2037941" y="5118280"/>
             <a:ext cx="885064" cy="317500"/>
           </a:xfrm>
           <a:prstGeom prst="rect">
@@ -3893,6 +3944,7 @@
           </a:lstStyle>
           <a:p>
             <a:r>
+              <a:rPr dirty="0"/>
               <a:t>Position 0</a:t>
             </a:r>
           </a:p>
@@ -3906,7 +3958,7 @@
         </p:nvSpPr>
         <p:spPr>
           <a:xfrm>
-            <a:off x="5692940" y="2609850"/>
+            <a:off x="5632070" y="2299995"/>
             <a:ext cx="983920" cy="317500"/>
           </a:xfrm>
           <a:prstGeom prst="rect">
@@ -3932,6 +3984,7 @@
           </a:lstStyle>
           <a:p>
             <a:r>
+              <a:rPr dirty="0"/>
               <a:t>Position 15</a:t>
             </a:r>
           </a:p>
@@ -3984,7 +4037,7 @@
         </p:nvSpPr>
         <p:spPr>
           <a:xfrm>
-            <a:off x="7293140" y="5784850"/>
+            <a:off x="7910132" y="6144435"/>
             <a:ext cx="983920" cy="317500"/>
           </a:xfrm>
           <a:prstGeom prst="rect">
@@ -4010,6 +4063,317 @@
           </a:lstStyle>
           <a:p>
             <a:r>
+              <a:rPr dirty="0"/>
+              <a:t>Position 15</a:t>
+            </a:r>
+          </a:p>
+        </p:txBody>
+      </p:sp>
+      <p:sp>
+        <p:nvSpPr>
+          <p:cNvPr id="20" name="Shape 123"/>
+          <p:cNvSpPr/>
+          <p:nvPr/>
+        </p:nvSpPr>
+        <p:spPr>
+          <a:xfrm flipV="1">
+            <a:off x="3675134" y="3261526"/>
+            <a:ext cx="2762431" cy="2762430"/>
+          </a:xfrm>
+          <a:prstGeom prst="line">
+            <a:avLst/>
+          </a:prstGeom>
+          <a:ln w="25400">
+            <a:solidFill>
+              <a:srgbClr val="000000"/>
+            </a:solidFill>
+            <a:miter lim="400000"/>
+            <a:tailEnd type="triangle" w="lg" len="lg"/>
+          </a:ln>
+        </p:spPr>
+        <p:txBody>
+          <a:bodyPr lIns="45718" tIns="45718" rIns="45718" bIns="45718"/>
+          <a:lstStyle/>
+          <a:p>
+            <a:endParaRPr/>
+          </a:p>
+        </p:txBody>
+      </p:sp>
+      <p:sp>
+        <p:nvSpPr>
+          <p:cNvPr id="21" name="Shape 123"/>
+          <p:cNvSpPr/>
+          <p:nvPr/>
+        </p:nvSpPr>
+        <p:spPr>
+          <a:xfrm flipV="1">
+            <a:off x="4456620" y="3943301"/>
+            <a:ext cx="2762431" cy="2762430"/>
+          </a:xfrm>
+          <a:prstGeom prst="line">
+            <a:avLst/>
+          </a:prstGeom>
+          <a:ln w="25400">
+            <a:solidFill>
+              <a:srgbClr val="000000"/>
+            </a:solidFill>
+            <a:miter lim="400000"/>
+            <a:tailEnd type="triangle" w="lg" len="lg"/>
+          </a:ln>
+        </p:spPr>
+        <p:txBody>
+          <a:bodyPr lIns="45718" tIns="45718" rIns="45718" bIns="45718"/>
+          <a:lstStyle/>
+          <a:p>
+            <a:endParaRPr/>
+          </a:p>
+        </p:txBody>
+      </p:sp>
+      <p:sp>
+        <p:nvSpPr>
+          <p:cNvPr id="22" name="Shape 127"/>
+          <p:cNvSpPr/>
+          <p:nvPr/>
+        </p:nvSpPr>
+        <p:spPr>
+          <a:xfrm>
+            <a:off x="2836254" y="6063798"/>
+            <a:ext cx="744040" cy="410369"/>
+          </a:xfrm>
+          <a:prstGeom prst="rect">
+            <a:avLst/>
+          </a:prstGeom>
+          <a:ln w="12700">
+            <a:miter lim="400000"/>
+          </a:ln>
+          <a:extLst>
+            <a:ext uri="{C572A759-6A51-4108-AA02-DFA0A04FC94B}">
+              <ma14:wrappingTextBoxFlag xmlns:ma14="http://schemas.microsoft.com/office/mac/drawingml/2011/main" val="1"/>
+            </a:ext>
+          </a:extLst>
+        </p:spPr>
+        <p:txBody>
+          <a:bodyPr wrap="none" lIns="50800" tIns="50800" rIns="50800" bIns="50800" anchor="ctr">
+            <a:spAutoFit/>
+          </a:bodyPr>
+          <a:lstStyle>
+            <a:lvl1pPr>
+              <a:defRPr sz="2000"/>
+            </a:lvl1pPr>
+          </a:lstStyle>
+          <a:p>
+            <a:r>
+              <a:rPr dirty="0"/>
+              <a:t>Rail </a:t>
+            </a:r>
+            <a:r>
+              <a:rPr lang="it-IT" dirty="0" err="1" smtClean="0"/>
+              <a:t>F</a:t>
+            </a:r>
+            <a:endParaRPr dirty="0"/>
+          </a:p>
+        </p:txBody>
+      </p:sp>
+      <p:sp>
+        <p:nvSpPr>
+          <p:cNvPr id="23" name="Shape 127"/>
+          <p:cNvSpPr/>
+          <p:nvPr/>
+        </p:nvSpPr>
+        <p:spPr>
+          <a:xfrm>
+            <a:off x="3592764" y="6729436"/>
+            <a:ext cx="758144" cy="410369"/>
+          </a:xfrm>
+          <a:prstGeom prst="rect">
+            <a:avLst/>
+          </a:prstGeom>
+          <a:ln w="12700">
+            <a:miter lim="400000"/>
+          </a:ln>
+          <a:extLst>
+            <a:ext uri="{C572A759-6A51-4108-AA02-DFA0A04FC94B}">
+              <ma14:wrappingTextBoxFlag xmlns:ma14="http://schemas.microsoft.com/office/mac/drawingml/2011/main" val="1"/>
+            </a:ext>
+          </a:extLst>
+        </p:spPr>
+        <p:txBody>
+          <a:bodyPr wrap="none" lIns="50800" tIns="50800" rIns="50800" bIns="50800" anchor="ctr">
+            <a:spAutoFit/>
+          </a:bodyPr>
+          <a:lstStyle>
+            <a:lvl1pPr>
+              <a:defRPr sz="2000"/>
+            </a:lvl1pPr>
+          </a:lstStyle>
+          <a:p>
+            <a:r>
+              <a:rPr dirty="0"/>
+              <a:t>Rail </a:t>
+            </a:r>
+            <a:r>
+              <a:rPr lang="it-IT" dirty="0" smtClean="0"/>
+              <a:t>E</a:t>
+            </a:r>
+            <a:endParaRPr dirty="0"/>
+          </a:p>
+        </p:txBody>
+      </p:sp>
+      <p:sp>
+        <p:nvSpPr>
+          <p:cNvPr id="24" name="Shape 135"/>
+          <p:cNvSpPr/>
+          <p:nvPr/>
+        </p:nvSpPr>
+        <p:spPr>
+          <a:xfrm>
+            <a:off x="2707700" y="5826935"/>
+            <a:ext cx="885064" cy="317500"/>
+          </a:xfrm>
+          <a:prstGeom prst="rect">
+            <a:avLst/>
+          </a:prstGeom>
+          <a:ln w="12700">
+            <a:miter lim="400000"/>
+          </a:ln>
+          <a:extLst>
+            <a:ext uri="{C572A759-6A51-4108-AA02-DFA0A04FC94B}">
+              <ma14:wrappingTextBoxFlag xmlns:ma14="http://schemas.microsoft.com/office/mac/drawingml/2011/main" val="1"/>
+            </a:ext>
+          </a:extLst>
+        </p:spPr>
+        <p:txBody>
+          <a:bodyPr wrap="none" lIns="50800" tIns="50800" rIns="50800" bIns="50800" anchor="ctr">
+            <a:spAutoFit/>
+          </a:bodyPr>
+          <a:lstStyle>
+            <a:lvl1pPr>
+              <a:defRPr sz="1400"/>
+            </a:lvl1pPr>
+          </a:lstStyle>
+          <a:p>
+            <a:r>
+              <a:rPr dirty="0"/>
+              <a:t>Position 0</a:t>
+            </a:r>
+          </a:p>
+        </p:txBody>
+      </p:sp>
+      <p:sp>
+        <p:nvSpPr>
+          <p:cNvPr id="25" name="Shape 135"/>
+          <p:cNvSpPr/>
+          <p:nvPr/>
+        </p:nvSpPr>
+        <p:spPr>
+          <a:xfrm>
+            <a:off x="3571556" y="6456491"/>
+            <a:ext cx="885064" cy="317500"/>
+          </a:xfrm>
+          <a:prstGeom prst="rect">
+            <a:avLst/>
+          </a:prstGeom>
+          <a:ln w="12700">
+            <a:miter lim="400000"/>
+          </a:ln>
+          <a:extLst>
+            <a:ext uri="{C572A759-6A51-4108-AA02-DFA0A04FC94B}">
+              <ma14:wrappingTextBoxFlag xmlns:ma14="http://schemas.microsoft.com/office/mac/drawingml/2011/main" val="1"/>
+            </a:ext>
+          </a:extLst>
+        </p:spPr>
+        <p:txBody>
+          <a:bodyPr wrap="none" lIns="50800" tIns="50800" rIns="50800" bIns="50800" anchor="ctr">
+            <a:spAutoFit/>
+          </a:bodyPr>
+          <a:lstStyle>
+            <a:lvl1pPr>
+              <a:defRPr sz="1400"/>
+            </a:lvl1pPr>
+          </a:lstStyle>
+          <a:p>
+            <a:r>
+              <a:rPr dirty="0"/>
+              <a:t>Position 0</a:t>
+            </a:r>
+          </a:p>
+        </p:txBody>
+      </p:sp>
+      <p:sp>
+        <p:nvSpPr>
+          <p:cNvPr id="27" name="Shape 136"/>
+          <p:cNvSpPr/>
+          <p:nvPr/>
+        </p:nvSpPr>
+        <p:spPr>
+          <a:xfrm>
+            <a:off x="5813874" y="2943625"/>
+            <a:ext cx="983920" cy="317500"/>
+          </a:xfrm>
+          <a:prstGeom prst="rect">
+            <a:avLst/>
+          </a:prstGeom>
+          <a:ln w="12700">
+            <a:miter lim="400000"/>
+          </a:ln>
+          <a:extLst>
+            <a:ext uri="{C572A759-6A51-4108-AA02-DFA0A04FC94B}">
+              <ma14:wrappingTextBoxFlag xmlns:ma14="http://schemas.microsoft.com/office/mac/drawingml/2011/main" val="1"/>
+            </a:ext>
+          </a:extLst>
+        </p:spPr>
+        <p:txBody>
+          <a:bodyPr wrap="none" lIns="50800" tIns="50800" rIns="50800" bIns="50800" anchor="ctr">
+            <a:spAutoFit/>
+          </a:bodyPr>
+          <a:lstStyle>
+            <a:lvl1pPr>
+              <a:defRPr sz="1400"/>
+            </a:lvl1pPr>
+          </a:lstStyle>
+          <a:p>
+            <a:r>
+              <a:rPr dirty="0"/>
+              <a:t>Position 15</a:t>
+            </a:r>
+          </a:p>
+        </p:txBody>
+      </p:sp>
+      <p:sp>
+        <p:nvSpPr>
+          <p:cNvPr id="28" name="Shape 136"/>
+          <p:cNvSpPr/>
+          <p:nvPr/>
+        </p:nvSpPr>
+        <p:spPr>
+          <a:xfrm>
+            <a:off x="6797794" y="3608348"/>
+            <a:ext cx="983920" cy="317500"/>
+          </a:xfrm>
+          <a:prstGeom prst="rect">
+            <a:avLst/>
+          </a:prstGeom>
+          <a:ln w="12700">
+            <a:miter lim="400000"/>
+          </a:ln>
+          <a:extLst>
+            <a:ext uri="{C572A759-6A51-4108-AA02-DFA0A04FC94B}">
+              <ma14:wrappingTextBoxFlag xmlns:ma14="http://schemas.microsoft.com/office/mac/drawingml/2011/main" val="1"/>
+            </a:ext>
+          </a:extLst>
+        </p:spPr>
+        <p:txBody>
+          <a:bodyPr wrap="none" lIns="50800" tIns="50800" rIns="50800" bIns="50800" anchor="ctr">
+            <a:spAutoFit/>
+          </a:bodyPr>
+          <a:lstStyle>
+            <a:lvl1pPr>
+              <a:defRPr sz="1400"/>
+            </a:lvl1pPr>
+          </a:lstStyle>
+          <a:p>
+            <a:r>
+              <a:rPr dirty="0"/>
               <a:t>Position 15</a:t>
             </a:r>
           </a:p>
@@ -4041,70 +4405,9 @@
           <a:chExt cx="0" cy="0"/>
         </a:xfrm>
       </p:grpSpPr>
-      <p:sp>
-        <p:nvSpPr>
-          <p:cNvPr id="140" name="Shape 140"/>
-          <p:cNvSpPr>
-            <a:spLocks noGrp="1"/>
-          </p:cNvSpPr>
-          <p:nvPr>
-            <p:ph type="body" idx="1"/>
-          </p:nvPr>
-        </p:nvSpPr>
-        <p:spPr>
-          <a:xfrm>
-            <a:off x="952500" y="530422"/>
-            <a:ext cx="11099800" cy="8359579"/>
-          </a:xfrm>
-          <a:prstGeom prst="rect">
-            <a:avLst/>
-          </a:prstGeom>
-        </p:spPr>
-        <p:txBody>
-          <a:bodyPr anchor="t"/>
-          <a:lstStyle/>
-          <a:p>
-            <a:pPr>
-              <a:spcBef>
-                <a:spcPts val="500"/>
-              </a:spcBef>
-              <a:defRPr sz="2000"/>
-            </a:pPr>
-            <a:r>
-              <a:rPr dirty="0"/>
-              <a:t>The green areas are the share areas,  the yellow ones are the pick areas and the red areas are the storage areas.</a:t>
-            </a:r>
-          </a:p>
-          <a:p>
-            <a:pPr>
-              <a:spcBef>
-                <a:spcPts val="500"/>
-              </a:spcBef>
-              <a:defRPr sz="2000"/>
-            </a:pPr>
-            <a:r>
-              <a:rPr lang="en-US" dirty="0" smtClean="0"/>
-              <a:t>The </a:t>
-            </a:r>
-            <a:r>
-              <a:rPr lang="en-US" dirty="0"/>
-              <a:t>robots on position 0 are: A1, B1, C1 and D1, instead the robots on position 15 are A2, B2, C2 and D1. The letter indicates the rail.</a:t>
-            </a:r>
-          </a:p>
-          <a:p>
-            <a:pPr>
-              <a:spcBef>
-                <a:spcPts val="500"/>
-              </a:spcBef>
-              <a:defRPr sz="2000"/>
-            </a:pPr>
-            <a:endParaRPr dirty="0"/>
-          </a:p>
-        </p:txBody>
-      </p:sp>
       <p:pic>
         <p:nvPicPr>
-          <p:cNvPr id="3" name="Immagine 2" descr="Screenshot 2017-04-27 09.11.52.png"/>
+          <p:cNvPr id="4" name="Immagine 3" descr="Screenshot 2017-05-17 10.27.48.png"/>
           <p:cNvPicPr>
             <a:picLocks noChangeAspect="1"/>
           </p:cNvPicPr>
@@ -4124,8 +4427,8 @@
         </p:blipFill>
         <p:spPr>
           <a:xfrm>
-            <a:off x="0" y="2361019"/>
-            <a:ext cx="13004800" cy="6712373"/>
+            <a:off x="0" y="2160576"/>
+            <a:ext cx="13004800" cy="6729425"/>
           </a:xfrm>
           <a:prstGeom prst="rect">
             <a:avLst/>
@@ -4134,1474 +4437,93 @@
       </p:pic>
       <p:sp>
         <p:nvSpPr>
-          <p:cNvPr id="2" name="CasellaDiTesto 1"/>
-          <p:cNvSpPr txBox="1"/>
-          <p:nvPr/>
+          <p:cNvPr id="5" name="Shape 140"/>
+          <p:cNvSpPr>
+            <a:spLocks noGrp="1"/>
+          </p:cNvSpPr>
+          <p:nvPr>
+            <p:ph type="body" idx="1"/>
+          </p:nvPr>
         </p:nvSpPr>
         <p:spPr>
           <a:xfrm>
-            <a:off x="2614656" y="5957932"/>
-            <a:ext cx="1817809" cy="410369"/>
+            <a:off x="952500" y="530422"/>
+            <a:ext cx="11099800" cy="8359579"/>
           </a:xfrm>
           <a:prstGeom prst="rect">
             <a:avLst/>
           </a:prstGeom>
-          <a:noFill/>
-          <a:ln w="12700" cap="flat">
-            <a:noFill/>
-            <a:miter lim="400000"/>
-          </a:ln>
-          <a:effectLst/>
-          <a:sp3d/>
-        </p:spPr>
-        <p:style>
-          <a:lnRef idx="0">
-            <a:scrgbClr r="0" g="0" b="0"/>
-          </a:lnRef>
-          <a:fillRef idx="0">
-            <a:scrgbClr r="0" g="0" b="0"/>
-          </a:fillRef>
-          <a:effectRef idx="0">
-            <a:scrgbClr r="0" g="0" b="0"/>
-          </a:effectRef>
-          <a:fontRef idx="none"/>
-        </p:style>
+        </p:spPr>
         <p:txBody>
-          <a:bodyPr rot="0" spcFirstLastPara="1" vertOverflow="overflow" horzOverflow="overflow" vert="horz" wrap="square" lIns="50800" tIns="50800" rIns="50800" bIns="50800" numCol="1" spcCol="38100" rtlCol="0" anchor="ctr">
-            <a:spAutoFit/>
-          </a:bodyPr>
+          <a:bodyPr anchor="t"/>
           <a:lstStyle/>
           <a:p>
-            <a:pPr marL="0" marR="0" indent="0" algn="ctr" defTabSz="584200" rtl="0" fontAlgn="auto" latinLnBrk="0" hangingPunct="0">
-              <a:lnSpc>
-                <a:spcPct val="100000"/>
-              </a:lnSpc>
+            <a:pPr>
               <a:spcBef>
-                <a:spcPts val="0"/>
+                <a:spcPts val="500"/>
               </a:spcBef>
-              <a:spcAft>
-                <a:spcPts val="0"/>
-              </a:spcAft>
-              <a:buClrTx/>
-              <a:buSzTx/>
-              <a:buFontTx/>
-              <a:buNone/>
-              <a:tabLst/>
+              <a:defRPr sz="2000"/>
             </a:pPr>
             <a:r>
-              <a:rPr kumimoji="0" lang="it-IT" sz="2000" b="1" i="0" u="none" strike="noStrike" cap="none" spc="0" normalizeH="0" baseline="0" dirty="0" smtClean="0">
-                <a:ln>
-                  <a:noFill/>
-                </a:ln>
-                <a:solidFill>
-                  <a:schemeClr val="tx1"/>
-                </a:solidFill>
-                <a:effectLst/>
-                <a:uFillTx/>
-                <a:latin typeface="Helvetica Light"/>
-                <a:ea typeface="Helvetica Light"/>
-                <a:cs typeface="Helvetica Light"/>
-                <a:sym typeface="Helvetica Light"/>
-              </a:rPr>
-              <a:t>Robot</a:t>
-            </a:r>
-            <a:r>
-              <a:rPr kumimoji="0" lang="it-IT" sz="2000" b="1" i="0" u="none" strike="noStrike" cap="none" spc="0" normalizeH="0" dirty="0" smtClean="0">
-                <a:ln>
-                  <a:noFill/>
-                </a:ln>
-                <a:solidFill>
-                  <a:schemeClr val="tx1"/>
-                </a:solidFill>
-                <a:effectLst/>
-                <a:uFillTx/>
-                <a:latin typeface="Helvetica Light"/>
-                <a:ea typeface="Helvetica Light"/>
-                <a:cs typeface="Helvetica Light"/>
-                <a:sym typeface="Helvetica Light"/>
-              </a:rPr>
-              <a:t> A1</a:t>
-            </a:r>
-            <a:endParaRPr kumimoji="0" lang="it-IT" sz="2000" b="1" i="0" u="none" strike="noStrike" cap="none" spc="0" normalizeH="0" baseline="0" dirty="0">
-              <a:ln>
-                <a:noFill/>
-              </a:ln>
-              <a:solidFill>
-                <a:schemeClr val="tx1"/>
-              </a:solidFill>
-              <a:effectLst/>
-              <a:uFillTx/>
-              <a:latin typeface="Helvetica Light"/>
-              <a:ea typeface="Helvetica Light"/>
-              <a:cs typeface="Helvetica Light"/>
-              <a:sym typeface="Helvetica Light"/>
-            </a:endParaRPr>
+              <a:rPr dirty="0"/>
+              <a:t>The green areas are the share areas,  the yellow ones are the pick areas and the red areas are the storage areas.</a:t>
+            </a:r>
+          </a:p>
+          <a:p>
+            <a:pPr>
+              <a:spcBef>
+                <a:spcPts val="500"/>
+              </a:spcBef>
+              <a:defRPr sz="2000"/>
+            </a:pPr>
+            <a:r>
+              <a:rPr lang="en-US" dirty="0" smtClean="0"/>
+              <a:t>The </a:t>
+            </a:r>
+            <a:r>
+              <a:rPr lang="en-US" dirty="0"/>
+              <a:t>letter indicates the rail</a:t>
+            </a:r>
+            <a:r>
+              <a:rPr lang="en-US" dirty="0" smtClean="0"/>
+              <a:t>. The robots near the </a:t>
+            </a:r>
+            <a:r>
+              <a:rPr lang="en-US" dirty="0" smtClean="0"/>
+              <a:t>letter are in position 0, t</a:t>
+            </a:r>
+            <a:r>
+              <a:rPr lang="it-IT" dirty="0" smtClean="0"/>
+              <a:t>h</a:t>
+            </a:r>
+            <a:r>
+              <a:rPr lang="en-US" dirty="0" smtClean="0"/>
+              <a:t>e others in position 15.</a:t>
+            </a:r>
+            <a:endParaRPr lang="en-US" dirty="0"/>
+          </a:p>
+          <a:p>
+            <a:pPr>
+              <a:spcBef>
+                <a:spcPts val="500"/>
+              </a:spcBef>
+              <a:defRPr sz="2000"/>
+            </a:pPr>
+            <a:endParaRPr dirty="0"/>
           </a:p>
         </p:txBody>
       </p:sp>
-      <p:cxnSp>
-        <p:nvCxnSpPr>
-          <p:cNvPr id="5" name="Connettore 2 4"/>
-          <p:cNvCxnSpPr/>
-          <p:nvPr/>
-        </p:nvCxnSpPr>
-        <p:spPr>
-          <a:xfrm>
-            <a:off x="4307957" y="6163117"/>
-            <a:ext cx="510481" cy="87155"/>
-          </a:xfrm>
-          <a:prstGeom prst="straightConnector1">
-            <a:avLst/>
-          </a:prstGeom>
-          <a:noFill/>
-          <a:ln w="25400" cap="flat">
-            <a:solidFill>
-              <a:schemeClr val="accent1"/>
-            </a:solidFill>
-            <a:prstDash val="solid"/>
-            <a:round/>
-            <a:tailEnd type="arrow"/>
-          </a:ln>
-          <a:effectLst>
-            <a:outerShdw blurRad="38100" dist="25400" dir="5400000" rotWithShape="0">
-              <a:srgbClr val="000000">
-                <a:alpha val="50000"/>
-              </a:srgbClr>
-            </a:outerShdw>
-          </a:effectLst>
-          <a:sp3d/>
-        </p:spPr>
-        <p:style>
-          <a:lnRef idx="0">
-            <a:scrgbClr r="0" g="0" b="0"/>
-          </a:lnRef>
-          <a:fillRef idx="0">
-            <a:scrgbClr r="0" g="0" b="0"/>
-          </a:fillRef>
-          <a:effectRef idx="0">
-            <a:scrgbClr r="0" g="0" b="0"/>
-          </a:effectRef>
-          <a:fontRef idx="none"/>
-        </p:style>
-      </p:cxnSp>
-      <p:sp>
-        <p:nvSpPr>
-          <p:cNvPr id="10" name="CasellaDiTesto 9"/>
-          <p:cNvSpPr txBox="1"/>
-          <p:nvPr/>
-        </p:nvSpPr>
-        <p:spPr>
-          <a:xfrm>
-            <a:off x="3000629" y="5542095"/>
-            <a:ext cx="1817809" cy="410369"/>
-          </a:xfrm>
-          <a:prstGeom prst="rect">
-            <a:avLst/>
-          </a:prstGeom>
-          <a:noFill/>
-          <a:ln w="12700" cap="flat">
-            <a:noFill/>
-            <a:miter lim="400000"/>
-          </a:ln>
-          <a:effectLst/>
-          <a:sp3d/>
-        </p:spPr>
-        <p:style>
-          <a:lnRef idx="0">
-            <a:scrgbClr r="0" g="0" b="0"/>
-          </a:lnRef>
-          <a:fillRef idx="0">
-            <a:scrgbClr r="0" g="0" b="0"/>
-          </a:fillRef>
-          <a:effectRef idx="0">
-            <a:scrgbClr r="0" g="0" b="0"/>
-          </a:effectRef>
-          <a:fontRef idx="none"/>
-        </p:style>
-        <p:txBody>
-          <a:bodyPr rot="0" spcFirstLastPara="1" vertOverflow="overflow" horzOverflow="overflow" vert="horz" wrap="square" lIns="50800" tIns="50800" rIns="50800" bIns="50800" numCol="1" spcCol="38100" rtlCol="0" anchor="ctr">
-            <a:spAutoFit/>
-          </a:bodyPr>
-          <a:lstStyle/>
-          <a:p>
-            <a:pPr marL="0" marR="0" indent="0" algn="ctr" defTabSz="584200" rtl="0" fontAlgn="auto" latinLnBrk="0" hangingPunct="0">
-              <a:lnSpc>
-                <a:spcPct val="100000"/>
-              </a:lnSpc>
-              <a:spcBef>
-                <a:spcPts val="0"/>
-              </a:spcBef>
-              <a:spcAft>
-                <a:spcPts val="0"/>
-              </a:spcAft>
-              <a:buClrTx/>
-              <a:buSzTx/>
-              <a:buFontTx/>
-              <a:buNone/>
-              <a:tabLst/>
-            </a:pPr>
-            <a:r>
-              <a:rPr kumimoji="0" lang="it-IT" sz="2000" b="1" i="0" u="none" strike="noStrike" cap="none" spc="0" normalizeH="0" baseline="0" dirty="0" smtClean="0">
-                <a:ln>
-                  <a:noFill/>
-                </a:ln>
-                <a:solidFill>
-                  <a:schemeClr val="tx1"/>
-                </a:solidFill>
-                <a:effectLst/>
-                <a:uFillTx/>
-                <a:latin typeface="Helvetica Light"/>
-                <a:ea typeface="Helvetica Light"/>
-                <a:cs typeface="Helvetica Light"/>
-                <a:sym typeface="Helvetica Light"/>
-              </a:rPr>
-              <a:t>BoxA1</a:t>
-            </a:r>
-            <a:endParaRPr kumimoji="0" lang="it-IT" sz="2000" b="1" i="0" u="none" strike="noStrike" cap="none" spc="0" normalizeH="0" baseline="0" dirty="0">
-              <a:ln>
-                <a:noFill/>
-              </a:ln>
-              <a:solidFill>
-                <a:schemeClr val="tx1"/>
-              </a:solidFill>
-              <a:effectLst/>
-              <a:uFillTx/>
-              <a:latin typeface="Helvetica Light"/>
-              <a:ea typeface="Helvetica Light"/>
-              <a:cs typeface="Helvetica Light"/>
-              <a:sym typeface="Helvetica Light"/>
-            </a:endParaRPr>
-          </a:p>
-        </p:txBody>
-      </p:sp>
-      <p:cxnSp>
-        <p:nvCxnSpPr>
-          <p:cNvPr id="11" name="Connettore 2 10"/>
-          <p:cNvCxnSpPr/>
-          <p:nvPr/>
-        </p:nvCxnSpPr>
-        <p:spPr>
-          <a:xfrm>
-            <a:off x="4818438" y="5714891"/>
-            <a:ext cx="211662" cy="361071"/>
-          </a:xfrm>
-          <a:prstGeom prst="straightConnector1">
-            <a:avLst/>
-          </a:prstGeom>
-          <a:noFill/>
-          <a:ln w="25400" cap="flat">
-            <a:solidFill>
-              <a:schemeClr val="accent1"/>
-            </a:solidFill>
-            <a:prstDash val="solid"/>
-            <a:round/>
-            <a:tailEnd type="arrow"/>
-          </a:ln>
-          <a:effectLst>
-            <a:outerShdw blurRad="38100" dist="25400" dir="5400000" rotWithShape="0">
-              <a:srgbClr val="000000">
-                <a:alpha val="50000"/>
-              </a:srgbClr>
-            </a:outerShdw>
-          </a:effectLst>
-          <a:sp3d/>
-        </p:spPr>
-        <p:style>
-          <a:lnRef idx="0">
-            <a:scrgbClr r="0" g="0" b="0"/>
-          </a:lnRef>
-          <a:fillRef idx="0">
-            <a:scrgbClr r="0" g="0" b="0"/>
-          </a:fillRef>
-          <a:effectRef idx="0">
-            <a:scrgbClr r="0" g="0" b="0"/>
-          </a:effectRef>
-          <a:fontRef idx="none"/>
-        </p:style>
-      </p:cxnSp>
-      <p:sp>
-        <p:nvSpPr>
-          <p:cNvPr id="13" name="CasellaDiTesto 12"/>
-          <p:cNvSpPr txBox="1"/>
-          <p:nvPr/>
-        </p:nvSpPr>
-        <p:spPr>
-          <a:xfrm>
-            <a:off x="8930173" y="2860688"/>
-            <a:ext cx="1817809" cy="410369"/>
-          </a:xfrm>
-          <a:prstGeom prst="rect">
-            <a:avLst/>
-          </a:prstGeom>
-          <a:noFill/>
-          <a:ln w="12700" cap="flat">
-            <a:noFill/>
-            <a:miter lim="400000"/>
-          </a:ln>
-          <a:effectLst/>
-          <a:sp3d/>
-        </p:spPr>
-        <p:style>
-          <a:lnRef idx="0">
-            <a:scrgbClr r="0" g="0" b="0"/>
-          </a:lnRef>
-          <a:fillRef idx="0">
-            <a:scrgbClr r="0" g="0" b="0"/>
-          </a:fillRef>
-          <a:effectRef idx="0">
-            <a:scrgbClr r="0" g="0" b="0"/>
-          </a:effectRef>
-          <a:fontRef idx="none"/>
-        </p:style>
-        <p:txBody>
-          <a:bodyPr rot="0" spcFirstLastPara="1" vertOverflow="overflow" horzOverflow="overflow" vert="horz" wrap="square" lIns="50800" tIns="50800" rIns="50800" bIns="50800" numCol="1" spcCol="38100" rtlCol="0" anchor="ctr">
-            <a:spAutoFit/>
-          </a:bodyPr>
-          <a:lstStyle/>
-          <a:p>
-            <a:pPr marL="0" marR="0" indent="0" algn="ctr" defTabSz="584200" rtl="0" fontAlgn="auto" latinLnBrk="0" hangingPunct="0">
-              <a:lnSpc>
-                <a:spcPct val="100000"/>
-              </a:lnSpc>
-              <a:spcBef>
-                <a:spcPts val="0"/>
-              </a:spcBef>
-              <a:spcAft>
-                <a:spcPts val="0"/>
-              </a:spcAft>
-              <a:buClrTx/>
-              <a:buSzTx/>
-              <a:buFontTx/>
-              <a:buNone/>
-              <a:tabLst/>
-            </a:pPr>
-            <a:r>
-              <a:rPr kumimoji="0" lang="it-IT" sz="2000" b="1" i="0" u="none" strike="noStrike" cap="none" spc="0" normalizeH="0" baseline="0" dirty="0" smtClean="0">
-                <a:ln>
-                  <a:noFill/>
-                </a:ln>
-                <a:solidFill>
-                  <a:schemeClr val="tx1"/>
-                </a:solidFill>
-                <a:effectLst/>
-                <a:uFillTx/>
-                <a:latin typeface="Helvetica Light"/>
-                <a:ea typeface="Helvetica Light"/>
-                <a:cs typeface="Helvetica Light"/>
-                <a:sym typeface="Helvetica Light"/>
-              </a:rPr>
-              <a:t>Robot</a:t>
-            </a:r>
-            <a:r>
-              <a:rPr kumimoji="0" lang="it-IT" sz="2000" b="1" i="0" u="none" strike="noStrike" cap="none" spc="0" normalizeH="0" dirty="0" smtClean="0">
-                <a:ln>
-                  <a:noFill/>
-                </a:ln>
-                <a:solidFill>
-                  <a:schemeClr val="tx1"/>
-                </a:solidFill>
-                <a:effectLst/>
-                <a:uFillTx/>
-                <a:latin typeface="Helvetica Light"/>
-                <a:ea typeface="Helvetica Light"/>
-                <a:cs typeface="Helvetica Light"/>
-                <a:sym typeface="Helvetica Light"/>
-              </a:rPr>
-              <a:t> A2</a:t>
-            </a:r>
-          </a:p>
-        </p:txBody>
-      </p:sp>
-      <p:sp>
-        <p:nvSpPr>
-          <p:cNvPr id="14" name="CasellaDiTesto 13"/>
-          <p:cNvSpPr txBox="1"/>
-          <p:nvPr/>
-        </p:nvSpPr>
-        <p:spPr>
-          <a:xfrm>
-            <a:off x="2490148" y="3968804"/>
-            <a:ext cx="1817809" cy="410369"/>
-          </a:xfrm>
-          <a:prstGeom prst="rect">
-            <a:avLst/>
-          </a:prstGeom>
-          <a:noFill/>
-          <a:ln w="12700" cap="flat">
-            <a:noFill/>
-            <a:miter lim="400000"/>
-          </a:ln>
-          <a:effectLst/>
-          <a:sp3d/>
-        </p:spPr>
-        <p:style>
-          <a:lnRef idx="0">
-            <a:scrgbClr r="0" g="0" b="0"/>
-          </a:lnRef>
-          <a:fillRef idx="0">
-            <a:scrgbClr r="0" g="0" b="0"/>
-          </a:fillRef>
-          <a:effectRef idx="0">
-            <a:scrgbClr r="0" g="0" b="0"/>
-          </a:effectRef>
-          <a:fontRef idx="none"/>
-        </p:style>
-        <p:txBody>
-          <a:bodyPr rot="0" spcFirstLastPara="1" vertOverflow="overflow" horzOverflow="overflow" vert="horz" wrap="square" lIns="50800" tIns="50800" rIns="50800" bIns="50800" numCol="1" spcCol="38100" rtlCol="0" anchor="ctr">
-            <a:spAutoFit/>
-          </a:bodyPr>
-          <a:lstStyle/>
-          <a:p>
-            <a:pPr marL="0" marR="0" indent="0" algn="ctr" defTabSz="584200" rtl="0" fontAlgn="auto" latinLnBrk="0" hangingPunct="0">
-              <a:lnSpc>
-                <a:spcPct val="100000"/>
-              </a:lnSpc>
-              <a:spcBef>
-                <a:spcPts val="0"/>
-              </a:spcBef>
-              <a:spcAft>
-                <a:spcPts val="0"/>
-              </a:spcAft>
-              <a:buClrTx/>
-              <a:buSzTx/>
-              <a:buFontTx/>
-              <a:buNone/>
-              <a:tabLst/>
-            </a:pPr>
-            <a:r>
-              <a:rPr kumimoji="0" lang="it-IT" sz="2000" b="1" i="0" u="none" strike="noStrike" cap="none" spc="0" normalizeH="0" baseline="0" dirty="0" err="1" smtClean="0">
-                <a:ln>
-                  <a:noFill/>
-                </a:ln>
-                <a:solidFill>
-                  <a:schemeClr val="tx1"/>
-                </a:solidFill>
-                <a:effectLst/>
-                <a:uFillTx/>
-                <a:latin typeface="Helvetica Light"/>
-                <a:ea typeface="Helvetica Light"/>
-                <a:cs typeface="Helvetica Light"/>
-                <a:sym typeface="Helvetica Light"/>
-              </a:rPr>
-              <a:t>Pick</a:t>
-            </a:r>
-            <a:r>
-              <a:rPr lang="it-IT" sz="2000" b="1" dirty="0" err="1" smtClean="0">
-                <a:solidFill>
-                  <a:schemeClr val="tx1"/>
-                </a:solidFill>
-              </a:rPr>
-              <a:t>AreaC</a:t>
-            </a:r>
-            <a:endParaRPr kumimoji="0" lang="it-IT" sz="2000" b="1" i="0" u="none" strike="noStrike" cap="none" spc="0" normalizeH="0" baseline="0" dirty="0">
-              <a:ln>
-                <a:noFill/>
-              </a:ln>
-              <a:solidFill>
-                <a:schemeClr val="tx1"/>
-              </a:solidFill>
-              <a:effectLst/>
-              <a:uFillTx/>
-              <a:latin typeface="Helvetica Light"/>
-              <a:ea typeface="Helvetica Light"/>
-              <a:cs typeface="Helvetica Light"/>
-              <a:sym typeface="Helvetica Light"/>
-            </a:endParaRPr>
-          </a:p>
-        </p:txBody>
-      </p:sp>
-      <p:sp>
-        <p:nvSpPr>
-          <p:cNvPr id="15" name="CasellaDiTesto 14"/>
-          <p:cNvSpPr txBox="1"/>
-          <p:nvPr/>
-        </p:nvSpPr>
-        <p:spPr>
-          <a:xfrm>
-            <a:off x="4818438" y="7255800"/>
-            <a:ext cx="2029471" cy="410369"/>
-          </a:xfrm>
-          <a:prstGeom prst="rect">
-            <a:avLst/>
-          </a:prstGeom>
-          <a:noFill/>
-          <a:ln w="12700" cap="flat">
-            <a:noFill/>
-            <a:miter lim="400000"/>
-          </a:ln>
-          <a:effectLst/>
-          <a:sp3d/>
-        </p:spPr>
-        <p:style>
-          <a:lnRef idx="0">
-            <a:scrgbClr r="0" g="0" b="0"/>
-          </a:lnRef>
-          <a:fillRef idx="0">
-            <a:scrgbClr r="0" g="0" b="0"/>
-          </a:fillRef>
-          <a:effectRef idx="0">
-            <a:scrgbClr r="0" g="0" b="0"/>
-          </a:effectRef>
-          <a:fontRef idx="none"/>
-        </p:style>
-        <p:txBody>
-          <a:bodyPr rot="0" spcFirstLastPara="1" vertOverflow="overflow" horzOverflow="overflow" vert="horz" wrap="square" lIns="50800" tIns="50800" rIns="50800" bIns="50800" numCol="1" spcCol="38100" rtlCol="0" anchor="ctr">
-            <a:spAutoFit/>
-          </a:bodyPr>
-          <a:lstStyle/>
-          <a:p>
-            <a:pPr marL="0" marR="0" indent="0" algn="ctr" defTabSz="584200" rtl="0" fontAlgn="auto" latinLnBrk="0" hangingPunct="0">
-              <a:lnSpc>
-                <a:spcPct val="100000"/>
-              </a:lnSpc>
-              <a:spcBef>
-                <a:spcPts val="0"/>
-              </a:spcBef>
-              <a:spcAft>
-                <a:spcPts val="0"/>
-              </a:spcAft>
-              <a:buClrTx/>
-              <a:buSzTx/>
-              <a:buFontTx/>
-              <a:buNone/>
-              <a:tabLst/>
-            </a:pPr>
-            <a:r>
-              <a:rPr kumimoji="0" lang="it-IT" sz="2000" b="1" i="0" u="none" strike="noStrike" cap="none" spc="0" normalizeH="0" baseline="0" dirty="0" smtClean="0">
-                <a:ln>
-                  <a:noFill/>
-                </a:ln>
-                <a:solidFill>
-                  <a:schemeClr val="tx1"/>
-                </a:solidFill>
-                <a:effectLst/>
-                <a:uFillTx/>
-                <a:latin typeface="Helvetica Light"/>
-                <a:ea typeface="Helvetica Light"/>
-                <a:cs typeface="Helvetica Light"/>
-                <a:sym typeface="Helvetica Light"/>
-              </a:rPr>
-              <a:t>StorageAreaC1</a:t>
-            </a:r>
-            <a:endParaRPr kumimoji="0" lang="it-IT" sz="2000" b="1" i="0" u="none" strike="noStrike" cap="none" spc="0" normalizeH="0" baseline="0" dirty="0">
-              <a:ln>
-                <a:noFill/>
-              </a:ln>
-              <a:solidFill>
-                <a:schemeClr val="tx1"/>
-              </a:solidFill>
-              <a:effectLst/>
-              <a:uFillTx/>
-              <a:latin typeface="Helvetica Light"/>
-              <a:ea typeface="Helvetica Light"/>
-              <a:cs typeface="Helvetica Light"/>
-              <a:sym typeface="Helvetica Light"/>
-            </a:endParaRPr>
-          </a:p>
-        </p:txBody>
-      </p:sp>
-      <p:sp>
-        <p:nvSpPr>
-          <p:cNvPr id="16" name="CasellaDiTesto 15"/>
-          <p:cNvSpPr txBox="1"/>
-          <p:nvPr/>
-        </p:nvSpPr>
-        <p:spPr>
-          <a:xfrm>
-            <a:off x="5506219" y="4173988"/>
-            <a:ext cx="1817809" cy="410369"/>
-          </a:xfrm>
-          <a:prstGeom prst="rect">
-            <a:avLst/>
-          </a:prstGeom>
-          <a:noFill/>
-          <a:ln w="12700" cap="flat">
-            <a:noFill/>
-            <a:miter lim="400000"/>
-          </a:ln>
-          <a:effectLst/>
-          <a:sp3d/>
-        </p:spPr>
-        <p:style>
-          <a:lnRef idx="0">
-            <a:scrgbClr r="0" g="0" b="0"/>
-          </a:lnRef>
-          <a:fillRef idx="0">
-            <a:scrgbClr r="0" g="0" b="0"/>
-          </a:fillRef>
-          <a:effectRef idx="0">
-            <a:scrgbClr r="0" g="0" b="0"/>
-          </a:effectRef>
-          <a:fontRef idx="none"/>
-        </p:style>
-        <p:txBody>
-          <a:bodyPr rot="0" spcFirstLastPara="1" vertOverflow="overflow" horzOverflow="overflow" vert="horz" wrap="square" lIns="50800" tIns="50800" rIns="50800" bIns="50800" numCol="1" spcCol="38100" rtlCol="0" anchor="ctr">
-            <a:spAutoFit/>
-          </a:bodyPr>
-          <a:lstStyle/>
-          <a:p>
-            <a:pPr marL="0" marR="0" indent="0" algn="ctr" defTabSz="584200" rtl="0" fontAlgn="auto" latinLnBrk="0" hangingPunct="0">
-              <a:lnSpc>
-                <a:spcPct val="100000"/>
-              </a:lnSpc>
-              <a:spcBef>
-                <a:spcPts val="0"/>
-              </a:spcBef>
-              <a:spcAft>
-                <a:spcPts val="0"/>
-              </a:spcAft>
-              <a:buClrTx/>
-              <a:buSzTx/>
-              <a:buFontTx/>
-              <a:buNone/>
-              <a:tabLst/>
-            </a:pPr>
-            <a:r>
-              <a:rPr kumimoji="0" lang="it-IT" sz="2000" b="1" i="0" u="none" strike="noStrike" cap="none" spc="0" normalizeH="0" baseline="0" dirty="0" err="1" smtClean="0">
-                <a:ln>
-                  <a:noFill/>
-                </a:ln>
-                <a:solidFill>
-                  <a:schemeClr val="tx1"/>
-                </a:solidFill>
-                <a:effectLst/>
-                <a:uFillTx/>
-                <a:latin typeface="Helvetica Light"/>
-                <a:ea typeface="Helvetica Light"/>
-                <a:cs typeface="Helvetica Light"/>
-                <a:sym typeface="Helvetica Light"/>
-              </a:rPr>
-              <a:t>ShareArea</a:t>
-            </a:r>
-            <a:r>
-              <a:rPr lang="it-IT" sz="2000" b="1" dirty="0" err="1" smtClean="0">
-                <a:solidFill>
-                  <a:schemeClr val="tx1"/>
-                </a:solidFill>
-              </a:rPr>
-              <a:t>AC</a:t>
-            </a:r>
-            <a:endParaRPr kumimoji="0" lang="it-IT" sz="2000" b="1" i="0" u="none" strike="noStrike" cap="none" spc="0" normalizeH="0" baseline="0" dirty="0">
-              <a:ln>
-                <a:noFill/>
-              </a:ln>
-              <a:solidFill>
-                <a:schemeClr val="tx1"/>
-              </a:solidFill>
-              <a:effectLst/>
-              <a:uFillTx/>
-              <a:latin typeface="Helvetica Light"/>
-              <a:ea typeface="Helvetica Light"/>
-              <a:cs typeface="Helvetica Light"/>
-              <a:sym typeface="Helvetica Light"/>
-            </a:endParaRPr>
-          </a:p>
-        </p:txBody>
-      </p:sp>
-      <p:cxnSp>
-        <p:nvCxnSpPr>
-          <p:cNvPr id="17" name="Connettore 2 16"/>
-          <p:cNvCxnSpPr/>
-          <p:nvPr/>
-        </p:nvCxnSpPr>
-        <p:spPr>
-          <a:xfrm flipH="1">
-            <a:off x="5939004" y="4584357"/>
-            <a:ext cx="224113" cy="707208"/>
-          </a:xfrm>
-          <a:prstGeom prst="straightConnector1">
-            <a:avLst/>
-          </a:prstGeom>
-          <a:noFill/>
-          <a:ln w="25400" cap="flat">
-            <a:solidFill>
-              <a:schemeClr val="accent1"/>
-            </a:solidFill>
-            <a:prstDash val="solid"/>
-            <a:round/>
-            <a:tailEnd type="arrow"/>
-          </a:ln>
-          <a:effectLst>
-            <a:outerShdw blurRad="38100" dist="25400" dir="5400000" rotWithShape="0">
-              <a:srgbClr val="000000">
-                <a:alpha val="50000"/>
-              </a:srgbClr>
-            </a:outerShdw>
-          </a:effectLst>
-          <a:sp3d/>
-        </p:spPr>
-        <p:style>
-          <a:lnRef idx="0">
-            <a:scrgbClr r="0" g="0" b="0"/>
-          </a:lnRef>
-          <a:fillRef idx="0">
-            <a:scrgbClr r="0" g="0" b="0"/>
-          </a:fillRef>
-          <a:effectRef idx="0">
-            <a:scrgbClr r="0" g="0" b="0"/>
-          </a:effectRef>
-          <a:fontRef idx="none"/>
-        </p:style>
-      </p:cxnSp>
-      <p:cxnSp>
-        <p:nvCxnSpPr>
-          <p:cNvPr id="19" name="Connettore 2 18"/>
-          <p:cNvCxnSpPr>
-            <a:stCxn id="14" idx="2"/>
-          </p:cNvCxnSpPr>
-          <p:nvPr/>
-        </p:nvCxnSpPr>
-        <p:spPr>
-          <a:xfrm>
-            <a:off x="3399053" y="4379173"/>
-            <a:ext cx="784396" cy="638476"/>
-          </a:xfrm>
-          <a:prstGeom prst="straightConnector1">
-            <a:avLst/>
-          </a:prstGeom>
-          <a:noFill/>
-          <a:ln w="25400" cap="flat">
-            <a:solidFill>
-              <a:schemeClr val="accent1"/>
-            </a:solidFill>
-            <a:prstDash val="solid"/>
-            <a:round/>
-            <a:tailEnd type="arrow"/>
-          </a:ln>
-          <a:effectLst>
-            <a:outerShdw blurRad="38100" dist="25400" dir="5400000" rotWithShape="0">
-              <a:srgbClr val="000000">
-                <a:alpha val="50000"/>
-              </a:srgbClr>
-            </a:outerShdw>
-          </a:effectLst>
-          <a:sp3d/>
-        </p:spPr>
-        <p:style>
-          <a:lnRef idx="0">
-            <a:scrgbClr r="0" g="0" b="0"/>
-          </a:lnRef>
-          <a:fillRef idx="0">
-            <a:scrgbClr r="0" g="0" b="0"/>
-          </a:fillRef>
-          <a:effectRef idx="0">
-            <a:scrgbClr r="0" g="0" b="0"/>
-          </a:effectRef>
-          <a:fontRef idx="none"/>
-        </p:style>
-      </p:cxnSp>
-      <p:cxnSp>
-        <p:nvCxnSpPr>
-          <p:cNvPr id="21" name="Connettore 2 20"/>
-          <p:cNvCxnSpPr/>
-          <p:nvPr/>
-        </p:nvCxnSpPr>
-        <p:spPr>
-          <a:xfrm flipH="1">
-            <a:off x="8665716" y="3271057"/>
-            <a:ext cx="597636" cy="90643"/>
-          </a:xfrm>
-          <a:prstGeom prst="straightConnector1">
-            <a:avLst/>
-          </a:prstGeom>
-          <a:noFill/>
-          <a:ln w="25400" cap="flat">
-            <a:solidFill>
-              <a:schemeClr val="accent1"/>
-            </a:solidFill>
-            <a:prstDash val="solid"/>
-            <a:round/>
-            <a:tailEnd type="arrow"/>
-          </a:ln>
-          <a:effectLst>
-            <a:outerShdw blurRad="38100" dist="25400" dir="5400000" rotWithShape="0">
-              <a:srgbClr val="000000">
-                <a:alpha val="50000"/>
-              </a:srgbClr>
-            </a:outerShdw>
-          </a:effectLst>
-          <a:sp3d/>
-        </p:spPr>
-        <p:style>
-          <a:lnRef idx="0">
-            <a:scrgbClr r="0" g="0" b="0"/>
-          </a:lnRef>
-          <a:fillRef idx="0">
-            <a:scrgbClr r="0" g="0" b="0"/>
-          </a:fillRef>
-          <a:effectRef idx="0">
-            <a:scrgbClr r="0" g="0" b="0"/>
-          </a:effectRef>
-          <a:fontRef idx="none"/>
-        </p:style>
-      </p:cxnSp>
-      <p:cxnSp>
-        <p:nvCxnSpPr>
-          <p:cNvPr id="23" name="Connettore 2 22"/>
-          <p:cNvCxnSpPr>
-            <a:stCxn id="15" idx="0"/>
-          </p:cNvCxnSpPr>
-          <p:nvPr/>
-        </p:nvCxnSpPr>
-        <p:spPr>
-          <a:xfrm flipV="1">
-            <a:off x="5833174" y="6648696"/>
-            <a:ext cx="105830" cy="607104"/>
-          </a:xfrm>
-          <a:prstGeom prst="straightConnector1">
-            <a:avLst/>
-          </a:prstGeom>
-          <a:noFill/>
-          <a:ln w="25400" cap="flat">
-            <a:solidFill>
-              <a:schemeClr val="accent1"/>
-            </a:solidFill>
-            <a:prstDash val="solid"/>
-            <a:round/>
-            <a:tailEnd type="arrow"/>
-          </a:ln>
-          <a:effectLst>
-            <a:outerShdw blurRad="38100" dist="25400" dir="5400000" rotWithShape="0">
-              <a:srgbClr val="000000">
-                <a:alpha val="50000"/>
-              </a:srgbClr>
-            </a:outerShdw>
-          </a:effectLst>
-          <a:sp3d/>
-        </p:spPr>
-        <p:style>
-          <a:lnRef idx="0">
-            <a:scrgbClr r="0" g="0" b="0"/>
-          </a:lnRef>
-          <a:fillRef idx="0">
-            <a:scrgbClr r="0" g="0" b="0"/>
-          </a:fillRef>
-          <a:effectRef idx="0">
-            <a:scrgbClr r="0" g="0" b="0"/>
-          </a:effectRef>
-          <a:fontRef idx="none"/>
-        </p:style>
-      </p:cxnSp>
-      <p:sp>
-        <p:nvSpPr>
-          <p:cNvPr id="27" name="CasellaDiTesto 26"/>
-          <p:cNvSpPr txBox="1"/>
-          <p:nvPr/>
-        </p:nvSpPr>
-        <p:spPr>
-          <a:xfrm>
-            <a:off x="9839077" y="5313523"/>
-            <a:ext cx="1817809" cy="410369"/>
-          </a:xfrm>
-          <a:prstGeom prst="rect">
-            <a:avLst/>
-          </a:prstGeom>
-          <a:noFill/>
-          <a:ln w="12700" cap="flat">
-            <a:noFill/>
-            <a:miter lim="400000"/>
-          </a:ln>
-          <a:effectLst/>
-          <a:sp3d/>
-        </p:spPr>
-        <p:style>
-          <a:lnRef idx="0">
-            <a:scrgbClr r="0" g="0" b="0"/>
-          </a:lnRef>
-          <a:fillRef idx="0">
-            <a:scrgbClr r="0" g="0" b="0"/>
-          </a:fillRef>
-          <a:effectRef idx="0">
-            <a:scrgbClr r="0" g="0" b="0"/>
-          </a:effectRef>
-          <a:fontRef idx="none"/>
-        </p:style>
-        <p:txBody>
-          <a:bodyPr rot="0" spcFirstLastPara="1" vertOverflow="overflow" horzOverflow="overflow" vert="horz" wrap="square" lIns="50800" tIns="50800" rIns="50800" bIns="50800" numCol="1" spcCol="38100" rtlCol="0" anchor="ctr">
-            <a:spAutoFit/>
-          </a:bodyPr>
-          <a:lstStyle/>
-          <a:p>
-            <a:pPr marL="0" marR="0" indent="0" algn="ctr" defTabSz="584200" rtl="0" fontAlgn="auto" latinLnBrk="0" hangingPunct="0">
-              <a:lnSpc>
-                <a:spcPct val="100000"/>
-              </a:lnSpc>
-              <a:spcBef>
-                <a:spcPts val="0"/>
-              </a:spcBef>
-              <a:spcAft>
-                <a:spcPts val="0"/>
-              </a:spcAft>
-              <a:buClrTx/>
-              <a:buSzTx/>
-              <a:buFontTx/>
-              <a:buNone/>
-              <a:tabLst/>
-            </a:pPr>
-            <a:r>
-              <a:rPr kumimoji="0" lang="it-IT" sz="2000" b="1" i="0" u="none" strike="noStrike" cap="none" spc="0" normalizeH="0" baseline="0" dirty="0" err="1" smtClean="0">
-                <a:ln>
-                  <a:noFill/>
-                </a:ln>
-                <a:solidFill>
-                  <a:schemeClr val="tx1"/>
-                </a:solidFill>
-                <a:effectLst/>
-                <a:uFillTx/>
-                <a:latin typeface="Helvetica Light"/>
-                <a:ea typeface="Helvetica Light"/>
-                <a:cs typeface="Helvetica Light"/>
-                <a:sym typeface="Helvetica Light"/>
-              </a:rPr>
-              <a:t>ShareAreaBC</a:t>
-            </a:r>
-            <a:endParaRPr kumimoji="0" lang="it-IT" sz="2000" b="1" i="0" u="none" strike="noStrike" cap="none" spc="0" normalizeH="0" baseline="0" dirty="0">
-              <a:ln>
-                <a:noFill/>
-              </a:ln>
-              <a:solidFill>
-                <a:schemeClr val="tx1"/>
-              </a:solidFill>
-              <a:effectLst/>
-              <a:uFillTx/>
-              <a:latin typeface="Helvetica Light"/>
-              <a:ea typeface="Helvetica Light"/>
-              <a:cs typeface="Helvetica Light"/>
-              <a:sym typeface="Helvetica Light"/>
-            </a:endParaRPr>
-          </a:p>
-        </p:txBody>
-      </p:sp>
-      <p:cxnSp>
-        <p:nvCxnSpPr>
-          <p:cNvPr id="28" name="Connettore 2 27"/>
-          <p:cNvCxnSpPr/>
-          <p:nvPr/>
-        </p:nvCxnSpPr>
-        <p:spPr>
-          <a:xfrm flipH="1" flipV="1">
-            <a:off x="10396370" y="5017649"/>
-            <a:ext cx="161859" cy="273916"/>
-          </a:xfrm>
-          <a:prstGeom prst="straightConnector1">
-            <a:avLst/>
-          </a:prstGeom>
-          <a:noFill/>
-          <a:ln w="25400" cap="flat">
-            <a:solidFill>
-              <a:schemeClr val="accent1"/>
-            </a:solidFill>
-            <a:prstDash val="solid"/>
-            <a:round/>
-            <a:tailEnd type="arrow"/>
-          </a:ln>
-          <a:effectLst>
-            <a:outerShdw blurRad="38100" dist="25400" dir="5400000" rotWithShape="0">
-              <a:srgbClr val="000000">
-                <a:alpha val="50000"/>
-              </a:srgbClr>
-            </a:outerShdw>
-          </a:effectLst>
-          <a:sp3d/>
-        </p:spPr>
-        <p:style>
-          <a:lnRef idx="0">
-            <a:scrgbClr r="0" g="0" b="0"/>
-          </a:lnRef>
-          <a:fillRef idx="0">
-            <a:scrgbClr r="0" g="0" b="0"/>
-          </a:fillRef>
-          <a:effectRef idx="0">
-            <a:scrgbClr r="0" g="0" b="0"/>
-          </a:effectRef>
-          <a:fontRef idx="none"/>
-        </p:style>
-      </p:cxnSp>
-      <p:sp>
-        <p:nvSpPr>
-          <p:cNvPr id="30" name="CasellaDiTesto 29"/>
-          <p:cNvSpPr txBox="1"/>
-          <p:nvPr/>
-        </p:nvSpPr>
-        <p:spPr>
-          <a:xfrm>
-            <a:off x="6415123" y="8955868"/>
-            <a:ext cx="1817809" cy="410369"/>
-          </a:xfrm>
-          <a:prstGeom prst="rect">
-            <a:avLst/>
-          </a:prstGeom>
-          <a:noFill/>
-          <a:ln w="12700" cap="flat">
-            <a:noFill/>
-            <a:miter lim="400000"/>
-          </a:ln>
-          <a:effectLst/>
-          <a:sp3d/>
-        </p:spPr>
-        <p:style>
-          <a:lnRef idx="0">
-            <a:scrgbClr r="0" g="0" b="0"/>
-          </a:lnRef>
-          <a:fillRef idx="0">
-            <a:scrgbClr r="0" g="0" b="0"/>
-          </a:fillRef>
-          <a:effectRef idx="0">
-            <a:scrgbClr r="0" g="0" b="0"/>
-          </a:effectRef>
-          <a:fontRef idx="none"/>
-        </p:style>
-        <p:txBody>
-          <a:bodyPr rot="0" spcFirstLastPara="1" vertOverflow="overflow" horzOverflow="overflow" vert="horz" wrap="square" lIns="50800" tIns="50800" rIns="50800" bIns="50800" numCol="1" spcCol="38100" rtlCol="0" anchor="ctr">
-            <a:spAutoFit/>
-          </a:bodyPr>
-          <a:lstStyle/>
-          <a:p>
-            <a:pPr marL="0" marR="0" indent="0" algn="ctr" defTabSz="584200" rtl="0" fontAlgn="auto" latinLnBrk="0" hangingPunct="0">
-              <a:lnSpc>
-                <a:spcPct val="100000"/>
-              </a:lnSpc>
-              <a:spcBef>
-                <a:spcPts val="0"/>
-              </a:spcBef>
-              <a:spcAft>
-                <a:spcPts val="0"/>
-              </a:spcAft>
-              <a:buClrTx/>
-              <a:buSzTx/>
-              <a:buFontTx/>
-              <a:buNone/>
-              <a:tabLst/>
-            </a:pPr>
-            <a:r>
-              <a:rPr kumimoji="0" lang="it-IT" sz="2000" b="1" i="0" u="none" strike="noStrike" cap="none" spc="0" normalizeH="0" baseline="0" dirty="0" smtClean="0">
-                <a:ln>
-                  <a:noFill/>
-                </a:ln>
-                <a:solidFill>
-                  <a:schemeClr val="tx1"/>
-                </a:solidFill>
-                <a:effectLst/>
-                <a:uFillTx/>
-                <a:latin typeface="Helvetica Light"/>
-                <a:ea typeface="Helvetica Light"/>
-                <a:cs typeface="Helvetica Light"/>
-                <a:sym typeface="Helvetica Light"/>
-              </a:rPr>
-              <a:t>RobotB</a:t>
-            </a:r>
-            <a:r>
-              <a:rPr lang="it-IT" sz="2000" b="1" dirty="0">
-                <a:solidFill>
-                  <a:schemeClr val="tx1"/>
-                </a:solidFill>
-              </a:rPr>
-              <a:t>2</a:t>
-            </a:r>
-            <a:endParaRPr kumimoji="0" lang="it-IT" sz="2000" b="1" i="0" u="none" strike="noStrike" cap="none" spc="0" normalizeH="0" baseline="0" dirty="0">
-              <a:ln>
-                <a:noFill/>
-              </a:ln>
-              <a:solidFill>
-                <a:schemeClr val="tx1"/>
-              </a:solidFill>
-              <a:effectLst/>
-              <a:uFillTx/>
-              <a:latin typeface="Helvetica Light"/>
-              <a:ea typeface="Helvetica Light"/>
-              <a:cs typeface="Helvetica Light"/>
-              <a:sym typeface="Helvetica Light"/>
-            </a:endParaRPr>
-          </a:p>
-        </p:txBody>
-      </p:sp>
-      <p:cxnSp>
-        <p:nvCxnSpPr>
-          <p:cNvPr id="31" name="Connettore 2 30"/>
-          <p:cNvCxnSpPr/>
-          <p:nvPr/>
-        </p:nvCxnSpPr>
-        <p:spPr>
-          <a:xfrm flipV="1">
-            <a:off x="7324028" y="7943573"/>
-            <a:ext cx="196220" cy="946428"/>
-          </a:xfrm>
-          <a:prstGeom prst="straightConnector1">
-            <a:avLst/>
-          </a:prstGeom>
-          <a:noFill/>
-          <a:ln w="25400" cap="flat">
-            <a:solidFill>
-              <a:schemeClr val="accent1"/>
-            </a:solidFill>
-            <a:prstDash val="solid"/>
-            <a:round/>
-            <a:tailEnd type="arrow"/>
-          </a:ln>
-          <a:effectLst>
-            <a:outerShdw blurRad="38100" dist="25400" dir="5400000" rotWithShape="0">
-              <a:srgbClr val="000000">
-                <a:alpha val="50000"/>
-              </a:srgbClr>
-            </a:outerShdw>
-          </a:effectLst>
-          <a:sp3d/>
-        </p:spPr>
-        <p:style>
-          <a:lnRef idx="0">
-            <a:scrgbClr r="0" g="0" b="0"/>
-          </a:lnRef>
-          <a:fillRef idx="0">
-            <a:scrgbClr r="0" g="0" b="0"/>
-          </a:fillRef>
-          <a:effectRef idx="0">
-            <a:scrgbClr r="0" g="0" b="0"/>
-          </a:effectRef>
-          <a:fontRef idx="none"/>
-        </p:style>
-      </p:cxnSp>
-      <p:sp>
-        <p:nvSpPr>
-          <p:cNvPr id="33" name="CasellaDiTesto 32"/>
-          <p:cNvSpPr txBox="1"/>
-          <p:nvPr/>
-        </p:nvSpPr>
-        <p:spPr>
-          <a:xfrm>
-            <a:off x="7423633" y="8449443"/>
-            <a:ext cx="1817809" cy="410369"/>
-          </a:xfrm>
-          <a:prstGeom prst="rect">
-            <a:avLst/>
-          </a:prstGeom>
-          <a:noFill/>
-          <a:ln w="12700" cap="flat">
-            <a:noFill/>
-            <a:miter lim="400000"/>
-          </a:ln>
-          <a:effectLst/>
-          <a:sp3d/>
-        </p:spPr>
-        <p:style>
-          <a:lnRef idx="0">
-            <a:scrgbClr r="0" g="0" b="0"/>
-          </a:lnRef>
-          <a:fillRef idx="0">
-            <a:scrgbClr r="0" g="0" b="0"/>
-          </a:fillRef>
-          <a:effectRef idx="0">
-            <a:scrgbClr r="0" g="0" b="0"/>
-          </a:effectRef>
-          <a:fontRef idx="none"/>
-        </p:style>
-        <p:txBody>
-          <a:bodyPr rot="0" spcFirstLastPara="1" vertOverflow="overflow" horzOverflow="overflow" vert="horz" wrap="square" lIns="50800" tIns="50800" rIns="50800" bIns="50800" numCol="1" spcCol="38100" rtlCol="0" anchor="ctr">
-            <a:spAutoFit/>
-          </a:bodyPr>
-          <a:lstStyle/>
-          <a:p>
-            <a:pPr marL="0" marR="0" indent="0" algn="ctr" defTabSz="584200" rtl="0" fontAlgn="auto" latinLnBrk="0" hangingPunct="0">
-              <a:lnSpc>
-                <a:spcPct val="100000"/>
-              </a:lnSpc>
-              <a:spcBef>
-                <a:spcPts val="0"/>
-              </a:spcBef>
-              <a:spcAft>
-                <a:spcPts val="0"/>
-              </a:spcAft>
-              <a:buClrTx/>
-              <a:buSzTx/>
-              <a:buFontTx/>
-              <a:buNone/>
-              <a:tabLst/>
-            </a:pPr>
-            <a:r>
-              <a:rPr kumimoji="0" lang="it-IT" sz="2000" b="1" i="0" u="none" strike="noStrike" cap="none" spc="0" normalizeH="0" baseline="0" dirty="0" smtClean="0">
-                <a:ln>
-                  <a:noFill/>
-                </a:ln>
-                <a:solidFill>
-                  <a:schemeClr val="tx1"/>
-                </a:solidFill>
-                <a:effectLst/>
-                <a:uFillTx/>
-                <a:latin typeface="Helvetica Light"/>
-                <a:ea typeface="Helvetica Light"/>
-                <a:cs typeface="Helvetica Light"/>
-                <a:sym typeface="Helvetica Light"/>
-              </a:rPr>
-              <a:t>BoxB2</a:t>
-            </a:r>
-            <a:endParaRPr kumimoji="0" lang="it-IT" sz="2000" b="1" i="0" u="none" strike="noStrike" cap="none" spc="0" normalizeH="0" baseline="0" dirty="0">
-              <a:ln>
-                <a:noFill/>
-              </a:ln>
-              <a:solidFill>
-                <a:schemeClr val="tx1"/>
-              </a:solidFill>
-              <a:effectLst/>
-              <a:uFillTx/>
-              <a:latin typeface="Helvetica Light"/>
-              <a:ea typeface="Helvetica Light"/>
-              <a:cs typeface="Helvetica Light"/>
-              <a:sym typeface="Helvetica Light"/>
-            </a:endParaRPr>
-          </a:p>
-        </p:txBody>
-      </p:sp>
-      <p:cxnSp>
-        <p:nvCxnSpPr>
-          <p:cNvPr id="34" name="Connettore 2 33"/>
-          <p:cNvCxnSpPr>
-            <a:stCxn id="33" idx="0"/>
-          </p:cNvCxnSpPr>
-          <p:nvPr/>
-        </p:nvCxnSpPr>
-        <p:spPr>
-          <a:xfrm flipH="1" flipV="1">
-            <a:off x="7520248" y="7666169"/>
-            <a:ext cx="812290" cy="783274"/>
-          </a:xfrm>
-          <a:prstGeom prst="straightConnector1">
-            <a:avLst/>
-          </a:prstGeom>
-          <a:noFill/>
-          <a:ln w="25400" cap="flat">
-            <a:solidFill>
-              <a:schemeClr val="accent1"/>
-            </a:solidFill>
-            <a:prstDash val="solid"/>
-            <a:round/>
-            <a:tailEnd type="arrow"/>
-          </a:ln>
-          <a:effectLst>
-            <a:outerShdw blurRad="38100" dist="25400" dir="5400000" rotWithShape="0">
-              <a:srgbClr val="000000">
-                <a:alpha val="50000"/>
-              </a:srgbClr>
-            </a:outerShdw>
-          </a:effectLst>
-          <a:sp3d/>
-        </p:spPr>
-        <p:style>
-          <a:lnRef idx="0">
-            <a:scrgbClr r="0" g="0" b="0"/>
-          </a:lnRef>
-          <a:fillRef idx="0">
-            <a:scrgbClr r="0" g="0" b="0"/>
-          </a:fillRef>
-          <a:effectRef idx="0">
-            <a:scrgbClr r="0" g="0" b="0"/>
-          </a:effectRef>
-          <a:fontRef idx="none"/>
-        </p:style>
-      </p:cxnSp>
-      <p:sp>
-        <p:nvSpPr>
-          <p:cNvPr id="22" name="CasellaDiTesto 21"/>
-          <p:cNvSpPr txBox="1"/>
-          <p:nvPr/>
-        </p:nvSpPr>
-        <p:spPr>
-          <a:xfrm>
-            <a:off x="8765322" y="1796762"/>
-            <a:ext cx="3697871" cy="410369"/>
-          </a:xfrm>
-          <a:prstGeom prst="rect">
-            <a:avLst/>
-          </a:prstGeom>
-          <a:noFill/>
-          <a:ln w="12700" cap="flat">
-            <a:noFill/>
-            <a:miter lim="400000"/>
-          </a:ln>
-          <a:effectLst/>
-          <a:sp3d/>
-        </p:spPr>
-        <p:style>
-          <a:lnRef idx="0">
-            <a:scrgbClr r="0" g="0" b="0"/>
-          </a:lnRef>
-          <a:fillRef idx="0">
-            <a:scrgbClr r="0" g="0" b="0"/>
-          </a:fillRef>
-          <a:effectRef idx="0">
-            <a:scrgbClr r="0" g="0" b="0"/>
-          </a:effectRef>
-          <a:fontRef idx="none"/>
-        </p:style>
-        <p:txBody>
-          <a:bodyPr rot="0" spcFirstLastPara="1" vertOverflow="overflow" horzOverflow="overflow" vert="horz" wrap="square" lIns="50800" tIns="50800" rIns="50800" bIns="50800" numCol="1" spcCol="38100" rtlCol="0" anchor="ctr">
-            <a:spAutoFit/>
-          </a:bodyPr>
-          <a:lstStyle/>
-          <a:p>
-            <a:pPr marL="0" marR="0" indent="0" algn="ctr" defTabSz="584200" rtl="0" fontAlgn="auto" latinLnBrk="0" hangingPunct="0">
-              <a:lnSpc>
-                <a:spcPct val="100000"/>
-              </a:lnSpc>
-              <a:spcBef>
-                <a:spcPts val="0"/>
-              </a:spcBef>
-              <a:spcAft>
-                <a:spcPts val="0"/>
-              </a:spcAft>
-              <a:buClrTx/>
-              <a:buSzTx/>
-              <a:buFontTx/>
-              <a:buNone/>
-              <a:tabLst/>
-            </a:pPr>
-            <a:r>
-              <a:rPr lang="it-IT" sz="2000" b="1" dirty="0" smtClean="0">
-                <a:solidFill>
-                  <a:schemeClr val="tx1"/>
-                </a:solidFill>
-              </a:rPr>
-              <a:t>Play/Pause/Stop the </a:t>
-            </a:r>
-            <a:r>
-              <a:rPr lang="it-IT" sz="2000" b="1" dirty="0" err="1" smtClean="0">
-                <a:solidFill>
-                  <a:schemeClr val="tx1"/>
-                </a:solidFill>
-              </a:rPr>
-              <a:t>simulation</a:t>
-            </a:r>
-            <a:endParaRPr kumimoji="0" lang="it-IT" sz="2000" b="1" i="0" u="none" strike="noStrike" cap="none" spc="0" normalizeH="0" baseline="0" dirty="0">
-              <a:ln>
-                <a:noFill/>
-              </a:ln>
-              <a:solidFill>
-                <a:schemeClr val="tx1"/>
-              </a:solidFill>
-              <a:effectLst/>
-              <a:uFillTx/>
-              <a:latin typeface="Helvetica Light"/>
-              <a:ea typeface="Helvetica Light"/>
-              <a:cs typeface="Helvetica Light"/>
-              <a:sym typeface="Helvetica Light"/>
-            </a:endParaRPr>
-          </a:p>
-        </p:txBody>
-      </p:sp>
-      <p:sp>
-        <p:nvSpPr>
-          <p:cNvPr id="4" name="Rettangolo 3"/>
-          <p:cNvSpPr/>
-          <p:nvPr/>
-        </p:nvSpPr>
-        <p:spPr>
-          <a:xfrm>
-            <a:off x="6698499" y="2676910"/>
-            <a:ext cx="921355" cy="273916"/>
-          </a:xfrm>
-          <a:prstGeom prst="rect">
-            <a:avLst/>
-          </a:prstGeom>
-          <a:noFill/>
-          <a:ln/>
-        </p:spPr>
-        <p:style>
-          <a:lnRef idx="2">
-            <a:schemeClr val="accent3"/>
-          </a:lnRef>
-          <a:fillRef idx="1">
-            <a:schemeClr val="lt1"/>
-          </a:fillRef>
-          <a:effectRef idx="0">
-            <a:schemeClr val="accent3"/>
-          </a:effectRef>
-          <a:fontRef idx="minor">
-            <a:schemeClr val="dk1"/>
-          </a:fontRef>
-        </p:style>
-        <p:txBody>
-          <a:bodyPr rot="0" spcFirstLastPara="1" vertOverflow="overflow" horzOverflow="overflow" vert="horz" wrap="square" lIns="50800" tIns="50800" rIns="50800" bIns="50800" numCol="1" spcCol="38100" rtlCol="0" anchor="ctr">
-            <a:spAutoFit/>
-          </a:bodyPr>
-          <a:lstStyle/>
-          <a:p>
-            <a:pPr marL="0" marR="0" indent="0" algn="ctr" defTabSz="584200" rtl="0" fontAlgn="auto" latinLnBrk="0" hangingPunct="0">
-              <a:lnSpc>
-                <a:spcPct val="100000"/>
-              </a:lnSpc>
-              <a:spcBef>
-                <a:spcPts val="0"/>
-              </a:spcBef>
-              <a:spcAft>
-                <a:spcPts val="0"/>
-              </a:spcAft>
-              <a:buClrTx/>
-              <a:buSzTx/>
-              <a:buFontTx/>
-              <a:buNone/>
-              <a:tabLst/>
-            </a:pPr>
-            <a:endParaRPr kumimoji="0" lang="it-IT" sz="3600" b="0" i="0" u="none" strike="noStrike" cap="none" spc="0" normalizeH="0" baseline="0">
-              <a:ln>
-                <a:noFill/>
-              </a:ln>
-              <a:solidFill>
-                <a:srgbClr val="000000"/>
-              </a:solidFill>
-              <a:effectLst/>
-              <a:uFillTx/>
-              <a:latin typeface="Helvetica Light"/>
-              <a:ea typeface="Helvetica Light"/>
-              <a:cs typeface="Helvetica Light"/>
-              <a:sym typeface="Helvetica Light"/>
-            </a:endParaRPr>
-          </a:p>
-        </p:txBody>
-      </p:sp>
-      <p:cxnSp>
-        <p:nvCxnSpPr>
-          <p:cNvPr id="7" name="Connettore 2 6"/>
-          <p:cNvCxnSpPr/>
-          <p:nvPr/>
-        </p:nvCxnSpPr>
-        <p:spPr>
-          <a:xfrm flipH="1">
-            <a:off x="7619854" y="2207131"/>
-            <a:ext cx="2490148" cy="469779"/>
-          </a:xfrm>
-          <a:prstGeom prst="straightConnector1">
-            <a:avLst/>
-          </a:prstGeom>
-          <a:ln>
-            <a:tailEnd type="arrow"/>
-          </a:ln>
-        </p:spPr>
-        <p:style>
-          <a:lnRef idx="1">
-            <a:schemeClr val="accent3"/>
-          </a:lnRef>
-          <a:fillRef idx="0">
-            <a:schemeClr val="accent3"/>
-          </a:fillRef>
-          <a:effectRef idx="0">
-            <a:schemeClr val="accent3"/>
-          </a:effectRef>
-          <a:fontRef idx="minor">
-            <a:schemeClr val="tx1"/>
-          </a:fontRef>
-        </p:style>
-      </p:cxnSp>
     </p:spTree>
+    <p:extLst>
+      <p:ext uri="{BB962C8B-B14F-4D97-AF65-F5344CB8AC3E}">
+        <p14:creationId xmlns:p14="http://schemas.microsoft.com/office/powerpoint/2010/main" val="1520576880"/>
+      </p:ext>
+    </p:extLst>
   </p:cSld>
   <p:clrMapOvr>
     <a:masterClrMapping/>
   </p:clrMapOvr>
-  <p:transition xmlns:p14="http://schemas.microsoft.com/office/powerpoint/2010/main" spd="slow"/>
-  <p:timing>
-    <p:tnLst>
-      <p:par>
-        <p:cTn xmlns:p14="http://schemas.microsoft.com/office/powerpoint/2010/main" id="1" dur="indefinite" restart="never" nodeType="tmRoot"/>
-      </p:par>
-    </p:tnLst>
-  </p:timing>
+  <p:transition xmlns:p14="http://schemas.microsoft.com/office/powerpoint/2010/main" spd="med"/>
 </p:sld>
 </file>
 
@@ -5678,11 +4600,15 @@
             </a:r>
             <a:r>
               <a:rPr lang="en-GB" sz="2000" b="1" dirty="0" err="1" smtClean="0"/>
-              <a:t>warehouseStatic.ttt</a:t>
+              <a:t>warehouseStaticThree.ttt</a:t>
             </a:r>
             <a:r>
               <a:rPr lang="en-GB" sz="2000" dirty="0" smtClean="0"/>
-              <a:t> situated in the </a:t>
+              <a:t> </a:t>
+            </a:r>
+            <a:r>
+              <a:rPr lang="en-GB" sz="2000" dirty="0" smtClean="0"/>
+              <a:t>situated in the </a:t>
             </a:r>
             <a:r>
               <a:rPr lang="en-GB" sz="2000" dirty="0" err="1" smtClean="0"/>
@@ -5732,7 +4658,15 @@
             </a:pPr>
             <a:r>
               <a:rPr lang="en-GB" sz="2000" dirty="0" smtClean="0"/>
-              <a:t>After the execution of the program, it will be opened 3 GUI in v-rep as showed in the next slide.</a:t>
+              <a:t>After the execution of the program, it will be opened </a:t>
+            </a:r>
+            <a:r>
+              <a:rPr lang="en-GB" sz="2000" dirty="0" smtClean="0"/>
+              <a:t>4 </a:t>
+            </a:r>
+            <a:r>
+              <a:rPr lang="en-GB" sz="2000" dirty="0" smtClean="0"/>
+              <a:t>GUI in v-rep as showed in the next slide.</a:t>
             </a:r>
           </a:p>
           <a:p>
@@ -5788,8 +4722,37 @@
             </a:pPr>
             <a:r>
               <a:rPr lang="en-GB" sz="2000" dirty="0" smtClean="0"/>
-              <a:t>The other one  is used to add/remove boxes from the various areas.</a:t>
-            </a:r>
+              <a:t>The other </a:t>
+            </a:r>
+            <a:r>
+              <a:rPr lang="en-GB" sz="2000" dirty="0" smtClean="0"/>
+              <a:t>ones </a:t>
+            </a:r>
+            <a:r>
+              <a:rPr lang="en-GB" sz="2000" dirty="0" smtClean="0"/>
+              <a:t>are</a:t>
+            </a:r>
+            <a:r>
+              <a:rPr lang="en-GB" sz="2000" dirty="0" smtClean="0"/>
+              <a:t> </a:t>
+            </a:r>
+            <a:r>
+              <a:rPr lang="en-GB" sz="2000" dirty="0" smtClean="0"/>
+              <a:t>used to add/remove boxes from the various </a:t>
+            </a:r>
+            <a:r>
+              <a:rPr lang="en-GB" sz="2000" dirty="0" smtClean="0"/>
+              <a:t>areas and to move the </a:t>
+            </a:r>
+            <a:r>
+              <a:rPr lang="en-GB" sz="2000" smtClean="0"/>
+              <a:t>robot to </a:t>
+            </a:r>
+            <a:r>
+              <a:rPr lang="en-GB" sz="2000" dirty="0" smtClean="0"/>
+              <a:t>a position or test the plan.</a:t>
+            </a:r>
+            <a:endParaRPr lang="en-GB" sz="2000" dirty="0" smtClean="0"/>
           </a:p>
           <a:p>
             <a:pPr marL="0" indent="0">
@@ -5835,7 +4798,7 @@
       </p:grpSpPr>
       <p:pic>
         <p:nvPicPr>
-          <p:cNvPr id="2" name="Immagine 1" descr="V-REP_guigiusta.png"/>
+          <p:cNvPr id="2" name="Immagine 1"/>
           <p:cNvPicPr>
             <a:picLocks noChangeAspect="1"/>
           </p:cNvPicPr>
@@ -5855,8 +4818,8 @@
         </p:blipFill>
         <p:spPr>
           <a:xfrm>
-            <a:off x="0" y="1299656"/>
-            <a:ext cx="13004800" cy="6715649"/>
+            <a:off x="19860" y="1305881"/>
+            <a:ext cx="12984940" cy="6715649"/>
           </a:xfrm>
           <a:prstGeom prst="rect">
             <a:avLst/>
@@ -6292,7 +5255,7 @@
         </p:nvSpPr>
         <p:spPr>
           <a:xfrm>
-            <a:off x="5504597" y="1506540"/>
+            <a:off x="5941991" y="1388257"/>
             <a:ext cx="2387553" cy="311269"/>
           </a:xfrm>
           <a:prstGeom prst="rect">
@@ -6362,7 +5325,7 @@
         </p:nvSpPr>
         <p:spPr>
           <a:xfrm>
-            <a:off x="7892150" y="1873836"/>
+            <a:off x="8424540" y="1904963"/>
             <a:ext cx="874788" cy="311269"/>
           </a:xfrm>
           <a:prstGeom prst="rect">
@@ -6432,7 +5395,7 @@
         </p:nvSpPr>
         <p:spPr>
           <a:xfrm>
-            <a:off x="8499247" y="1506540"/>
+            <a:off x="8889831" y="1494089"/>
             <a:ext cx="2988177" cy="298818"/>
           </a:xfrm>
           <a:prstGeom prst="rect">
@@ -6502,7 +5465,7 @@
         </p:nvSpPr>
         <p:spPr>
           <a:xfrm>
-            <a:off x="11487424" y="1898738"/>
+            <a:off x="12052315" y="1929865"/>
             <a:ext cx="701852" cy="286367"/>
           </a:xfrm>
           <a:prstGeom prst="rect">
@@ -6662,7 +5625,7 @@
         </p:nvSpPr>
         <p:spPr>
           <a:xfrm>
-            <a:off x="3087784" y="1873836"/>
+            <a:off x="3654291" y="2185105"/>
             <a:ext cx="2387553" cy="311269"/>
           </a:xfrm>
           <a:prstGeom prst="rect">
@@ -6735,7 +5698,7 @@
         <p:spPr>
           <a:xfrm>
             <a:off x="3803701" y="999050"/>
-            <a:ext cx="1700896" cy="544842"/>
+            <a:ext cx="2138290" cy="389207"/>
           </a:xfrm>
           <a:prstGeom prst="straightConnector1">
             <a:avLst/>
@@ -6782,7 +5745,7 @@
         <p:spPr>
           <a:xfrm>
             <a:off x="1350905" y="999573"/>
-            <a:ext cx="1736879" cy="874263"/>
+            <a:ext cx="2303386" cy="1185532"/>
           </a:xfrm>
           <a:prstGeom prst="straightConnector1">
             <a:avLst/>
@@ -6829,7 +5792,7 @@
         <p:spPr>
           <a:xfrm>
             <a:off x="6998811" y="999050"/>
-            <a:ext cx="1056819" cy="843660"/>
+            <a:ext cx="1654455" cy="905913"/>
           </a:xfrm>
           <a:prstGeom prst="straightConnector1">
             <a:avLst/>
@@ -6922,9 +5885,9 @@
           <p:nvPr/>
         </p:nvCxnSpPr>
         <p:spPr>
-          <a:xfrm flipH="1">
-            <a:off x="11838350" y="999050"/>
-            <a:ext cx="39658" cy="899688"/>
+          <a:xfrm>
+            <a:off x="11878008" y="999050"/>
+            <a:ext cx="525233" cy="930815"/>
           </a:xfrm>
           <a:prstGeom prst="straightConnector1">
             <a:avLst/>
@@ -7199,7 +6162,7 @@
         </p:nvSpPr>
         <p:spPr>
           <a:xfrm>
-            <a:off x="49802" y="3826865"/>
+            <a:off x="49802" y="3005116"/>
             <a:ext cx="2723722" cy="4080852"/>
           </a:xfrm>
           <a:prstGeom prst="rect">
@@ -7269,7 +6232,7 @@
         </p:nvSpPr>
         <p:spPr>
           <a:xfrm>
-            <a:off x="8956568" y="6066503"/>
+            <a:off x="9180678" y="6416619"/>
             <a:ext cx="3390083" cy="669349"/>
           </a:xfrm>
           <a:prstGeom prst="rect">
@@ -7336,13 +6299,14 @@
           <p:cNvPr id="30" name="Connettore 2 29"/>
           <p:cNvCxnSpPr>
             <a:stCxn id="26" idx="0"/>
+            <a:endCxn id="28" idx="2"/>
           </p:cNvCxnSpPr>
           <p:nvPr/>
         </p:nvCxnSpPr>
         <p:spPr>
           <a:xfrm flipV="1">
-            <a:off x="10825917" y="6735852"/>
-            <a:ext cx="0" cy="1501097"/>
+            <a:off x="10825917" y="7085968"/>
+            <a:ext cx="49803" cy="1150981"/>
           </a:xfrm>
           <a:prstGeom prst="straightConnector1">
             <a:avLst/>
@@ -7388,8 +6352,8 @@
         </p:nvCxnSpPr>
         <p:spPr>
           <a:xfrm flipV="1">
-            <a:off x="1411663" y="7907717"/>
-            <a:ext cx="0" cy="366062"/>
+            <a:off x="1411663" y="7085968"/>
+            <a:ext cx="0" cy="1187811"/>
           </a:xfrm>
           <a:prstGeom prst="straightConnector1">
             <a:avLst/>
@@ -7398,6 +6362,238 @@
           <a:ln w="25400" cap="flat">
             <a:solidFill>
               <a:schemeClr val="accent6"/>
+            </a:solidFill>
+            <a:prstDash val="solid"/>
+            <a:round/>
+            <a:tailEnd type="arrow"/>
+          </a:ln>
+          <a:effectLst>
+            <a:outerShdw blurRad="38100" dist="25400" dir="5400000" rotWithShape="0">
+              <a:srgbClr val="000000">
+                <a:alpha val="50000"/>
+              </a:srgbClr>
+            </a:outerShdw>
+          </a:effectLst>
+          <a:sp3d/>
+        </p:spPr>
+        <p:style>
+          <a:lnRef idx="0">
+            <a:scrgbClr r="0" g="0" b="0"/>
+          </a:lnRef>
+          <a:fillRef idx="0">
+            <a:scrgbClr r="0" g="0" b="0"/>
+          </a:fillRef>
+          <a:effectRef idx="0">
+            <a:scrgbClr r="0" g="0" b="0"/>
+          </a:effectRef>
+          <a:fontRef idx="none"/>
+        </p:style>
+      </p:cxnSp>
+      <p:pic>
+        <p:nvPicPr>
+          <p:cNvPr id="33" name="Immagine 32" descr="Screenshot 2017-05-17 10.54.42.png"/>
+          <p:cNvPicPr>
+            <a:picLocks noChangeAspect="1"/>
+          </p:cNvPicPr>
+          <p:nvPr/>
+        </p:nvPicPr>
+        <p:blipFill>
+          <a:blip r:embed="rId3">
+            <a:extLst>
+              <a:ext uri="{28A0092B-C50C-407E-A947-70E740481C1C}">
+                <a14:useLocalDpi xmlns:a14="http://schemas.microsoft.com/office/drawing/2010/main" val="0"/>
+              </a:ext>
+            </a:extLst>
+          </a:blip>
+          <a:stretch>
+            <a:fillRect/>
+          </a:stretch>
+        </p:blipFill>
+        <p:spPr>
+          <a:xfrm>
+            <a:off x="3302451" y="4675861"/>
+            <a:ext cx="5279079" cy="2858789"/>
+          </a:xfrm>
+          <a:prstGeom prst="rect">
+            <a:avLst/>
+          </a:prstGeom>
+        </p:spPr>
+      </p:pic>
+      <p:sp>
+        <p:nvSpPr>
+          <p:cNvPr id="34" name="Rettangolo 33"/>
+          <p:cNvSpPr/>
+          <p:nvPr/>
+        </p:nvSpPr>
+        <p:spPr>
+          <a:xfrm>
+            <a:off x="3318122" y="4675861"/>
+            <a:ext cx="5263408" cy="2858789"/>
+          </a:xfrm>
+          <a:prstGeom prst="rect">
+            <a:avLst/>
+          </a:prstGeom>
+          <a:noFill/>
+          <a:ln>
+            <a:solidFill>
+              <a:srgbClr val="FFFF00"/>
+            </a:solidFill>
+          </a:ln>
+        </p:spPr>
+        <p:style>
+          <a:lnRef idx="2">
+            <a:schemeClr val="accent6"/>
+          </a:lnRef>
+          <a:fillRef idx="1">
+            <a:schemeClr val="lt1"/>
+          </a:fillRef>
+          <a:effectRef idx="0">
+            <a:schemeClr val="accent6"/>
+          </a:effectRef>
+          <a:fontRef idx="minor">
+            <a:schemeClr val="dk1"/>
+          </a:fontRef>
+        </p:style>
+        <p:txBody>
+          <a:bodyPr rot="0" spcFirstLastPara="1" vertOverflow="overflow" horzOverflow="overflow" vert="horz" wrap="square" lIns="50800" tIns="50800" rIns="50800" bIns="50800" numCol="1" spcCol="38100" rtlCol="0" anchor="ctr">
+            <a:spAutoFit/>
+          </a:bodyPr>
+          <a:lstStyle/>
+          <a:p>
+            <a:pPr marL="0" marR="0" indent="0" algn="ctr" defTabSz="584200" rtl="0" fontAlgn="auto" latinLnBrk="0" hangingPunct="0">
+              <a:lnSpc>
+                <a:spcPct val="100000"/>
+              </a:lnSpc>
+              <a:spcBef>
+                <a:spcPts val="0"/>
+              </a:spcBef>
+              <a:spcAft>
+                <a:spcPts val="0"/>
+              </a:spcAft>
+              <a:buClrTx/>
+              <a:buSzTx/>
+              <a:buFontTx/>
+              <a:buNone/>
+              <a:tabLst/>
+            </a:pPr>
+            <a:endParaRPr kumimoji="0" lang="it-IT" sz="3600" b="0" i="0" u="none" strike="noStrike" cap="none" spc="0" normalizeH="0" baseline="0">
+              <a:ln>
+                <a:noFill/>
+              </a:ln>
+              <a:solidFill>
+                <a:srgbClr val="000000"/>
+              </a:solidFill>
+              <a:effectLst/>
+              <a:uFillTx/>
+              <a:latin typeface="Helvetica Light"/>
+              <a:ea typeface="Helvetica Light"/>
+              <a:cs typeface="Helvetica Light"/>
+              <a:sym typeface="Helvetica Light"/>
+            </a:endParaRPr>
+          </a:p>
+        </p:txBody>
+      </p:sp>
+      <p:sp>
+        <p:nvSpPr>
+          <p:cNvPr id="35" name="CasellaDiTesto 34"/>
+          <p:cNvSpPr txBox="1"/>
+          <p:nvPr/>
+        </p:nvSpPr>
+        <p:spPr>
+          <a:xfrm>
+            <a:off x="4064923" y="8429187"/>
+            <a:ext cx="2723722" cy="410369"/>
+          </a:xfrm>
+          <a:prstGeom prst="rect">
+            <a:avLst/>
+          </a:prstGeom>
+          <a:noFill/>
+          <a:ln w="12700" cap="flat">
+            <a:noFill/>
+            <a:miter lim="400000"/>
+          </a:ln>
+          <a:effectLst/>
+          <a:sp3d/>
+        </p:spPr>
+        <p:style>
+          <a:lnRef idx="0">
+            <a:scrgbClr r="0" g="0" b="0"/>
+          </a:lnRef>
+          <a:fillRef idx="0">
+            <a:scrgbClr r="0" g="0" b="0"/>
+          </a:fillRef>
+          <a:effectRef idx="0">
+            <a:scrgbClr r="0" g="0" b="0"/>
+          </a:effectRef>
+          <a:fontRef idx="none"/>
+        </p:style>
+        <p:txBody>
+          <a:bodyPr rot="0" spcFirstLastPara="1" vertOverflow="overflow" horzOverflow="overflow" vert="horz" wrap="square" lIns="50800" tIns="50800" rIns="50800" bIns="50800" numCol="1" spcCol="38100" rtlCol="0" anchor="ctr">
+            <a:spAutoFit/>
+          </a:bodyPr>
+          <a:lstStyle/>
+          <a:p>
+            <a:pPr marL="0" marR="0" indent="0" algn="ctr" defTabSz="584200" rtl="0" fontAlgn="auto" latinLnBrk="0" hangingPunct="0">
+              <a:lnSpc>
+                <a:spcPct val="100000"/>
+              </a:lnSpc>
+              <a:spcBef>
+                <a:spcPts val="0"/>
+              </a:spcBef>
+              <a:spcAft>
+                <a:spcPts val="0"/>
+              </a:spcAft>
+              <a:buClrTx/>
+              <a:buSzTx/>
+              <a:buFontTx/>
+              <a:buNone/>
+              <a:tabLst/>
+            </a:pPr>
+            <a:r>
+              <a:rPr lang="it-IT" sz="2000" dirty="0" err="1" smtClean="0"/>
+              <a:t>goToPosition</a:t>
+            </a:r>
+            <a:r>
+              <a:rPr lang="it-IT" sz="2000" dirty="0" smtClean="0"/>
+              <a:t>/test</a:t>
+            </a:r>
+            <a:endParaRPr kumimoji="0" lang="it-IT" sz="2000" b="0" i="0" u="none" strike="noStrike" cap="none" spc="0" normalizeH="0" baseline="0" dirty="0">
+              <a:ln>
+                <a:noFill/>
+              </a:ln>
+              <a:solidFill>
+                <a:srgbClr val="000000"/>
+              </a:solidFill>
+              <a:effectLst/>
+              <a:uFillTx/>
+              <a:latin typeface="Helvetica Light"/>
+              <a:ea typeface="Helvetica Light"/>
+              <a:cs typeface="Helvetica Light"/>
+              <a:sym typeface="Helvetica Light"/>
+            </a:endParaRPr>
+          </a:p>
+        </p:txBody>
+      </p:sp>
+      <p:cxnSp>
+        <p:nvCxnSpPr>
+          <p:cNvPr id="36" name="Connettore 2 35"/>
+          <p:cNvCxnSpPr>
+            <a:stCxn id="35" idx="0"/>
+          </p:cNvCxnSpPr>
+          <p:nvPr/>
+        </p:nvCxnSpPr>
+        <p:spPr>
+          <a:xfrm flipV="1">
+            <a:off x="5426784" y="7496338"/>
+            <a:ext cx="241293" cy="932849"/>
+          </a:xfrm>
+          <a:prstGeom prst="straightConnector1">
+            <a:avLst/>
+          </a:prstGeom>
+          <a:noFill/>
+          <a:ln w="25400" cap="flat">
+            <a:solidFill>
+              <a:srgbClr val="FFFF00"/>
             </a:solidFill>
             <a:prstDash val="solid"/>
             <a:round/>
